--- a/files/training_modules/JTTorate Portfolio - YII 1 for PHP Development Training Module.pptx
+++ b/files/training_modules/JTTorate Portfolio - YII 1 for PHP Development Training Module.pptx
@@ -18502,7 +18502,7 @@
 </file>
 
 <file path=ppt/slides/slide44.xml><?xml version="1.0" encoding="utf-8"?>
-<p:sld xmlns:a="http://schemas.openxmlformats.org/drawingml/2006/main" xmlns:r="http://schemas.openxmlformats.org/officeDocument/2006/relationships" xmlns:p="http://schemas.openxmlformats.org/presentationml/2006/main" show="0">
+<p:sld xmlns:a="http://schemas.openxmlformats.org/drawingml/2006/main" xmlns:r="http://schemas.openxmlformats.org/officeDocument/2006/relationships" xmlns:p="http://schemas.openxmlformats.org/presentationml/2006/main">
   <p:cSld>
     <p:spTree>
       <p:nvGrpSpPr>
@@ -18801,7 +18801,7 @@
 </file>
 
 <file path=ppt/slides/slide45.xml><?xml version="1.0" encoding="utf-8"?>
-<p:sld xmlns:a="http://schemas.openxmlformats.org/drawingml/2006/main" xmlns:r="http://schemas.openxmlformats.org/officeDocument/2006/relationships" xmlns:p="http://schemas.openxmlformats.org/presentationml/2006/main" show="0">
+<p:sld xmlns:a="http://schemas.openxmlformats.org/drawingml/2006/main" xmlns:r="http://schemas.openxmlformats.org/officeDocument/2006/relationships" xmlns:p="http://schemas.openxmlformats.org/presentationml/2006/main">
   <p:cSld>
     <p:spTree>
       <p:nvGrpSpPr>
@@ -19241,7 +19241,7 @@
 </file>
 
 <file path=ppt/slides/slide46.xml><?xml version="1.0" encoding="utf-8"?>
-<p:sld xmlns:a="http://schemas.openxmlformats.org/drawingml/2006/main" xmlns:r="http://schemas.openxmlformats.org/officeDocument/2006/relationships" xmlns:p="http://schemas.openxmlformats.org/presentationml/2006/main" show="0">
+<p:sld xmlns:a="http://schemas.openxmlformats.org/drawingml/2006/main" xmlns:r="http://schemas.openxmlformats.org/officeDocument/2006/relationships" xmlns:p="http://schemas.openxmlformats.org/presentationml/2006/main">
   <p:cSld>
     <p:spTree>
       <p:nvGrpSpPr>

--- a/files/training_modules/JTTorate Portfolio - YII 1 for PHP Development Training Module.pptx
+++ b/files/training_modules/JTTorate Portfolio - YII 1 for PHP Development Training Module.pptx
@@ -157,7 +157,7 @@
   </p:defaultTextStyle>
   <p:extLst>
     <p:ext uri="{EFAFB233-063F-42B5-8137-9DF3F51BA10A}">
-      <p15:sldGuideLst xmlns:p15="http://schemas.microsoft.com/office/powerpoint/2012/main" xmlns="">
+      <p15:sldGuideLst xmlns="" xmlns:p15="http://schemas.microsoft.com/office/powerpoint/2012/main">
         <p15:guide id="1" orient="horz" pos="2160">
           <p15:clr>
             <a:srgbClr val="A4A3A4"/>
@@ -171,7 +171,7 @@
       </p15:sldGuideLst>
     </p:ext>
     <p:ext uri="{2D200454-40CA-4A62-9FC3-DE9A4176ACB9}">
-      <p15:notesGuideLst xmlns:p15="http://schemas.microsoft.com/office/powerpoint/2012/main" xmlns="">
+      <p15:notesGuideLst xmlns="" xmlns:p15="http://schemas.microsoft.com/office/powerpoint/2012/main">
         <p15:guide id="1" orient="horz" pos="2880">
           <p15:clr>
             <a:srgbClr val="A4A3A4"/>
@@ -223,7 +223,7 @@
           <p:cNvPr id="2" name="Header Placeholder 1">
             <a:extLst>
               <a:ext uri="{FF2B5EF4-FFF2-40B4-BE49-F238E27FC236}">
-                <a16:creationId xmlns:a16="http://schemas.microsoft.com/office/drawing/2014/main" xmlns="" id="{B76F666D-E0C2-435B-BAA8-9287F9E5D38A}"/>
+                <a16:creationId xmlns="" xmlns:a16="http://schemas.microsoft.com/office/drawing/2014/main" id="{B76F666D-E0C2-435B-BAA8-9287F9E5D38A}"/>
               </a:ext>
             </a:extLst>
           </p:cNvPr>
@@ -260,7 +260,7 @@
           <p:cNvPr id="3" name="Date Placeholder 2">
             <a:extLst>
               <a:ext uri="{FF2B5EF4-FFF2-40B4-BE49-F238E27FC236}">
-                <a16:creationId xmlns:a16="http://schemas.microsoft.com/office/drawing/2014/main" xmlns="" id="{19FEBCAF-CB3F-4928-91AA-D61472F880C0}"/>
+                <a16:creationId xmlns="" xmlns:a16="http://schemas.microsoft.com/office/drawing/2014/main" id="{19FEBCAF-CB3F-4928-91AA-D61472F880C0}"/>
               </a:ext>
             </a:extLst>
           </p:cNvPr>
@@ -302,7 +302,7 @@
           <p:cNvPr id="4" name="Footer Placeholder 3">
             <a:extLst>
               <a:ext uri="{FF2B5EF4-FFF2-40B4-BE49-F238E27FC236}">
-                <a16:creationId xmlns:a16="http://schemas.microsoft.com/office/drawing/2014/main" xmlns="" id="{69256698-63C6-4CCC-81CB-EA5604C30F1E}"/>
+                <a16:creationId xmlns="" xmlns:a16="http://schemas.microsoft.com/office/drawing/2014/main" id="{69256698-63C6-4CCC-81CB-EA5604C30F1E}"/>
               </a:ext>
             </a:extLst>
           </p:cNvPr>
@@ -339,7 +339,7 @@
           <p:cNvPr id="5" name="Slide Number Placeholder 4">
             <a:extLst>
               <a:ext uri="{FF2B5EF4-FFF2-40B4-BE49-F238E27FC236}">
-                <a16:creationId xmlns:a16="http://schemas.microsoft.com/office/drawing/2014/main" xmlns="" id="{B2467FDA-05D7-4760-A373-5D6AEAAF4278}"/>
+                <a16:creationId xmlns="" xmlns:a16="http://schemas.microsoft.com/office/drawing/2014/main" id="{B2467FDA-05D7-4760-A373-5D6AEAAF4278}"/>
               </a:ext>
             </a:extLst>
           </p:cNvPr>
@@ -379,7 +379,7 @@
     </p:spTree>
     <p:extLst>
       <p:ext uri="{BB962C8B-B14F-4D97-AF65-F5344CB8AC3E}">
-        <p14:creationId xmlns:p14="http://schemas.microsoft.com/office/powerpoint/2010/main" xmlns="" val="3687537592"/>
+        <p14:creationId xmlns="" xmlns:p14="http://schemas.microsoft.com/office/powerpoint/2010/main" val="3687537592"/>
       </p:ext>
     </p:extLst>
   </p:cSld>
@@ -638,7 +638,7 @@
     </p:spTree>
     <p:extLst>
       <p:ext uri="{BB962C8B-B14F-4D97-AF65-F5344CB8AC3E}">
-        <p14:creationId xmlns:p14="http://schemas.microsoft.com/office/powerpoint/2010/main" xmlns="" val="3603816512"/>
+        <p14:creationId xmlns="" xmlns:p14="http://schemas.microsoft.com/office/powerpoint/2010/main" val="3603816512"/>
       </p:ext>
     </p:extLst>
   </p:cSld>
@@ -760,7 +760,7 @@
           <p:cNvPr id="21" name="Picture Placeholder 20">
             <a:extLst>
               <a:ext uri="{FF2B5EF4-FFF2-40B4-BE49-F238E27FC236}">
-                <a16:creationId xmlns:a16="http://schemas.microsoft.com/office/drawing/2014/main" xmlns="" id="{9A70B137-2503-4803-9F56-620A586FA494}"/>
+                <a16:creationId xmlns="" xmlns:a16="http://schemas.microsoft.com/office/drawing/2014/main" id="{9A70B137-2503-4803-9F56-620A586FA494}"/>
               </a:ext>
             </a:extLst>
           </p:cNvPr>
@@ -1743,7 +1743,7 @@
           <p:cNvPr id="2" name="Title 1">
             <a:extLst>
               <a:ext uri="{FF2B5EF4-FFF2-40B4-BE49-F238E27FC236}">
-                <a16:creationId xmlns:a16="http://schemas.microsoft.com/office/drawing/2014/main" xmlns="" id="{00F23EB7-E336-46EB-A4A0-3DB7A6BF4CE1}"/>
+                <a16:creationId xmlns="" xmlns:a16="http://schemas.microsoft.com/office/drawing/2014/main" id="{00F23EB7-E336-46EB-A4A0-3DB7A6BF4CE1}"/>
               </a:ext>
             </a:extLst>
           </p:cNvPr>
@@ -1818,7 +1818,7 @@
           <p:cNvPr id="3" name="Subtitle 2">
             <a:extLst>
               <a:ext uri="{FF2B5EF4-FFF2-40B4-BE49-F238E27FC236}">
-                <a16:creationId xmlns:a16="http://schemas.microsoft.com/office/drawing/2014/main" xmlns="" id="{C9980B88-3F4A-4688-9ED0-17EF37E62D93}"/>
+                <a16:creationId xmlns="" xmlns:a16="http://schemas.microsoft.com/office/drawing/2014/main" id="{C9980B88-3F4A-4688-9ED0-17EF37E62D93}"/>
               </a:ext>
             </a:extLst>
           </p:cNvPr>
@@ -1893,7 +1893,7 @@
     </p:spTree>
     <p:extLst>
       <p:ext uri="{BB962C8B-B14F-4D97-AF65-F5344CB8AC3E}">
-        <p14:creationId xmlns:p14="http://schemas.microsoft.com/office/powerpoint/2010/main" xmlns="" val="1334038435"/>
+        <p14:creationId xmlns="" xmlns:p14="http://schemas.microsoft.com/office/powerpoint/2010/main" val="1334038435"/>
       </p:ext>
     </p:extLst>
   </p:cSld>
@@ -1925,7 +1925,7 @@
           <p:cNvPr id="15" name="Rectangle: Rounded Corners 24">
             <a:extLst>
               <a:ext uri="{FF2B5EF4-FFF2-40B4-BE49-F238E27FC236}">
-                <a16:creationId xmlns:a16="http://schemas.microsoft.com/office/drawing/2014/main" xmlns="" id="{83D29F65-481C-4C80-BB65-121E5AED26B5}"/>
+                <a16:creationId xmlns="" xmlns:a16="http://schemas.microsoft.com/office/drawing/2014/main" id="{83D29F65-481C-4C80-BB65-121E5AED26B5}"/>
               </a:ext>
             </a:extLst>
           </p:cNvPr>
@@ -1979,7 +1979,7 @@
           <p:cNvPr id="16" name="Title Placeholder 1">
             <a:extLst>
               <a:ext uri="{FF2B5EF4-FFF2-40B4-BE49-F238E27FC236}">
-                <a16:creationId xmlns:a16="http://schemas.microsoft.com/office/drawing/2014/main" xmlns="" id="{090F41A2-6535-4CA6-81E4-026A5B56D9D7}"/>
+                <a16:creationId xmlns="" xmlns:a16="http://schemas.microsoft.com/office/drawing/2014/main" id="{090F41A2-6535-4CA6-81E4-026A5B56D9D7}"/>
               </a:ext>
             </a:extLst>
           </p:cNvPr>
@@ -2023,7 +2023,7 @@
           <p:cNvPr id="17" name="Text Placeholder 2">
             <a:extLst>
               <a:ext uri="{FF2B5EF4-FFF2-40B4-BE49-F238E27FC236}">
-                <a16:creationId xmlns:a16="http://schemas.microsoft.com/office/drawing/2014/main" xmlns="" id="{213AB95C-7DD4-4796-80E4-1B7466A2A037}"/>
+                <a16:creationId xmlns="" xmlns:a16="http://schemas.microsoft.com/office/drawing/2014/main" id="{213AB95C-7DD4-4796-80E4-1B7466A2A037}"/>
               </a:ext>
             </a:extLst>
           </p:cNvPr>
@@ -2121,7 +2121,7 @@
           <p:cNvPr id="19" name="Slide Number Placeholder 5">
             <a:extLst>
               <a:ext uri="{FF2B5EF4-FFF2-40B4-BE49-F238E27FC236}">
-                <a16:creationId xmlns:a16="http://schemas.microsoft.com/office/drawing/2014/main" xmlns="" id="{5ECA3099-A94F-4C3E-BC29-780EDD38F722}"/>
+                <a16:creationId xmlns="" xmlns:a16="http://schemas.microsoft.com/office/drawing/2014/main" id="{5ECA3099-A94F-4C3E-BC29-780EDD38F722}"/>
               </a:ext>
             </a:extLst>
           </p:cNvPr>
@@ -2190,7 +2190,7 @@
           <p:cNvPr id="20" name="Freeform 5">
             <a:extLst>
               <a:ext uri="{FF2B5EF4-FFF2-40B4-BE49-F238E27FC236}">
-                <a16:creationId xmlns:a16="http://schemas.microsoft.com/office/drawing/2014/main" xmlns="" id="{B0FE1C0F-474B-4310-A4A5-1EB4321DE50B}"/>
+                <a16:creationId xmlns="" xmlns:a16="http://schemas.microsoft.com/office/drawing/2014/main" id="{B0FE1C0F-474B-4310-A4A5-1EB4321DE50B}"/>
               </a:ext>
             </a:extLst>
           </p:cNvPr>
@@ -2374,7 +2374,7 @@
           <p:cNvPr id="21" name="Freeform 5">
             <a:extLst>
               <a:ext uri="{FF2B5EF4-FFF2-40B4-BE49-F238E27FC236}">
-                <a16:creationId xmlns:a16="http://schemas.microsoft.com/office/drawing/2014/main" xmlns="" id="{858C6DC6-901F-4F3E-97A4-1B55324C068B}"/>
+                <a16:creationId xmlns="" xmlns:a16="http://schemas.microsoft.com/office/drawing/2014/main" id="{858C6DC6-901F-4F3E-97A4-1B55324C068B}"/>
               </a:ext>
             </a:extLst>
           </p:cNvPr>
@@ -2556,7 +2556,7 @@
     </p:spTree>
     <p:extLst>
       <p:ext uri="{BB962C8B-B14F-4D97-AF65-F5344CB8AC3E}">
-        <p14:creationId xmlns:p14="http://schemas.microsoft.com/office/powerpoint/2010/main" xmlns="" val="1139767039"/>
+        <p14:creationId xmlns="" xmlns:p14="http://schemas.microsoft.com/office/powerpoint/2010/main" val="1139767039"/>
       </p:ext>
     </p:extLst>
   </p:cSld>
@@ -2588,7 +2588,7 @@
           <p:cNvPr id="17" name="Rectangle: Rounded Corners 24">
             <a:extLst>
               <a:ext uri="{FF2B5EF4-FFF2-40B4-BE49-F238E27FC236}">
-                <a16:creationId xmlns:a16="http://schemas.microsoft.com/office/drawing/2014/main" xmlns="" id="{83D29F65-481C-4C80-BB65-121E5AED26B5}"/>
+                <a16:creationId xmlns="" xmlns:a16="http://schemas.microsoft.com/office/drawing/2014/main" id="{83D29F65-481C-4C80-BB65-121E5AED26B5}"/>
               </a:ext>
             </a:extLst>
           </p:cNvPr>
@@ -2642,7 +2642,7 @@
           <p:cNvPr id="18" name="Title Placeholder 1">
             <a:extLst>
               <a:ext uri="{FF2B5EF4-FFF2-40B4-BE49-F238E27FC236}">
-                <a16:creationId xmlns:a16="http://schemas.microsoft.com/office/drawing/2014/main" xmlns="" id="{090F41A2-6535-4CA6-81E4-026A5B56D9D7}"/>
+                <a16:creationId xmlns="" xmlns:a16="http://schemas.microsoft.com/office/drawing/2014/main" id="{090F41A2-6535-4CA6-81E4-026A5B56D9D7}"/>
               </a:ext>
             </a:extLst>
           </p:cNvPr>
@@ -2686,7 +2686,7 @@
           <p:cNvPr id="20" name="Slide Number Placeholder 5">
             <a:extLst>
               <a:ext uri="{FF2B5EF4-FFF2-40B4-BE49-F238E27FC236}">
-                <a16:creationId xmlns:a16="http://schemas.microsoft.com/office/drawing/2014/main" xmlns="" id="{5ECA3099-A94F-4C3E-BC29-780EDD38F722}"/>
+                <a16:creationId xmlns="" xmlns:a16="http://schemas.microsoft.com/office/drawing/2014/main" id="{5ECA3099-A94F-4C3E-BC29-780EDD38F722}"/>
               </a:ext>
             </a:extLst>
           </p:cNvPr>
@@ -2755,7 +2755,7 @@
           <p:cNvPr id="21" name="Freeform 5">
             <a:extLst>
               <a:ext uri="{FF2B5EF4-FFF2-40B4-BE49-F238E27FC236}">
-                <a16:creationId xmlns:a16="http://schemas.microsoft.com/office/drawing/2014/main" xmlns="" id="{B0FE1C0F-474B-4310-A4A5-1EB4321DE50B}"/>
+                <a16:creationId xmlns="" xmlns:a16="http://schemas.microsoft.com/office/drawing/2014/main" id="{B0FE1C0F-474B-4310-A4A5-1EB4321DE50B}"/>
               </a:ext>
             </a:extLst>
           </p:cNvPr>
@@ -2939,7 +2939,7 @@
           <p:cNvPr id="22" name="Freeform 5">
             <a:extLst>
               <a:ext uri="{FF2B5EF4-FFF2-40B4-BE49-F238E27FC236}">
-                <a16:creationId xmlns:a16="http://schemas.microsoft.com/office/drawing/2014/main" xmlns="" id="{858C6DC6-901F-4F3E-97A4-1B55324C068B}"/>
+                <a16:creationId xmlns="" xmlns:a16="http://schemas.microsoft.com/office/drawing/2014/main" id="{858C6DC6-901F-4F3E-97A4-1B55324C068B}"/>
               </a:ext>
             </a:extLst>
           </p:cNvPr>
@@ -3121,7 +3121,7 @@
     </p:spTree>
     <p:extLst>
       <p:ext uri="{BB962C8B-B14F-4D97-AF65-F5344CB8AC3E}">
-        <p14:creationId xmlns:p14="http://schemas.microsoft.com/office/powerpoint/2010/main" xmlns="" val="1139767039"/>
+        <p14:creationId xmlns="" xmlns:p14="http://schemas.microsoft.com/office/powerpoint/2010/main" val="1139767039"/>
       </p:ext>
     </p:extLst>
   </p:cSld>
@@ -3153,7 +3153,7 @@
           <p:cNvPr id="3" name="Slide Number Placeholder 2">
             <a:extLst>
               <a:ext uri="{FF2B5EF4-FFF2-40B4-BE49-F238E27FC236}">
-                <a16:creationId xmlns:a16="http://schemas.microsoft.com/office/drawing/2014/main" xmlns="" id="{A95CDFA7-DEA3-4BBE-8D70-0AF654A1E6FF}"/>
+                <a16:creationId xmlns="" xmlns:a16="http://schemas.microsoft.com/office/drawing/2014/main" id="{A95CDFA7-DEA3-4BBE-8D70-0AF654A1E6FF}"/>
               </a:ext>
             </a:extLst>
           </p:cNvPr>
@@ -3188,7 +3188,7 @@
           <p:cNvPr id="10" name="Rectangle: Rounded Corners 24">
             <a:extLst>
               <a:ext uri="{FF2B5EF4-FFF2-40B4-BE49-F238E27FC236}">
-                <a16:creationId xmlns:a16="http://schemas.microsoft.com/office/drawing/2014/main" xmlns="" id="{83D29F65-481C-4C80-BB65-121E5AED26B5}"/>
+                <a16:creationId xmlns="" xmlns:a16="http://schemas.microsoft.com/office/drawing/2014/main" id="{83D29F65-481C-4C80-BB65-121E5AED26B5}"/>
               </a:ext>
             </a:extLst>
           </p:cNvPr>
@@ -3242,7 +3242,7 @@
           <p:cNvPr id="11" name="Title Placeholder 1">
             <a:extLst>
               <a:ext uri="{FF2B5EF4-FFF2-40B4-BE49-F238E27FC236}">
-                <a16:creationId xmlns:a16="http://schemas.microsoft.com/office/drawing/2014/main" xmlns="" id="{090F41A2-6535-4CA6-81E4-026A5B56D9D7}"/>
+                <a16:creationId xmlns="" xmlns:a16="http://schemas.microsoft.com/office/drawing/2014/main" id="{090F41A2-6535-4CA6-81E4-026A5B56D9D7}"/>
               </a:ext>
             </a:extLst>
           </p:cNvPr>
@@ -3286,7 +3286,7 @@
           <p:cNvPr id="12" name="Text Placeholder 2">
             <a:extLst>
               <a:ext uri="{FF2B5EF4-FFF2-40B4-BE49-F238E27FC236}">
-                <a16:creationId xmlns:a16="http://schemas.microsoft.com/office/drawing/2014/main" xmlns="" id="{213AB95C-7DD4-4796-80E4-1B7466A2A037}"/>
+                <a16:creationId xmlns="" xmlns:a16="http://schemas.microsoft.com/office/drawing/2014/main" id="{213AB95C-7DD4-4796-80E4-1B7466A2A037}"/>
               </a:ext>
             </a:extLst>
           </p:cNvPr>
@@ -3384,7 +3384,7 @@
           <p:cNvPr id="13" name="Slide Number Placeholder 5">
             <a:extLst>
               <a:ext uri="{FF2B5EF4-FFF2-40B4-BE49-F238E27FC236}">
-                <a16:creationId xmlns:a16="http://schemas.microsoft.com/office/drawing/2014/main" xmlns="" id="{5ECA3099-A94F-4C3E-BC29-780EDD38F722}"/>
+                <a16:creationId xmlns="" xmlns:a16="http://schemas.microsoft.com/office/drawing/2014/main" id="{5ECA3099-A94F-4C3E-BC29-780EDD38F722}"/>
               </a:ext>
             </a:extLst>
           </p:cNvPr>
@@ -3508,7 +3508,7 @@
     </p:spTree>
     <p:extLst>
       <p:ext uri="{BB962C8B-B14F-4D97-AF65-F5344CB8AC3E}">
-        <p14:creationId xmlns:p14="http://schemas.microsoft.com/office/powerpoint/2010/main" xmlns="" val="1139767039"/>
+        <p14:creationId xmlns="" xmlns:p14="http://schemas.microsoft.com/office/powerpoint/2010/main" val="1139767039"/>
       </p:ext>
     </p:extLst>
   </p:cSld>
@@ -3540,7 +3540,7 @@
           <p:cNvPr id="5" name="Slide Number Placeholder 2">
             <a:extLst>
               <a:ext uri="{FF2B5EF4-FFF2-40B4-BE49-F238E27FC236}">
-                <a16:creationId xmlns:a16="http://schemas.microsoft.com/office/drawing/2014/main" xmlns="" id="{A95CDFA7-DEA3-4BBE-8D70-0AF654A1E6FF}"/>
+                <a16:creationId xmlns="" xmlns:a16="http://schemas.microsoft.com/office/drawing/2014/main" id="{A95CDFA7-DEA3-4BBE-8D70-0AF654A1E6FF}"/>
               </a:ext>
             </a:extLst>
           </p:cNvPr>
@@ -3575,7 +3575,7 @@
           <p:cNvPr id="6" name="Rectangle: Rounded Corners 24">
             <a:extLst>
               <a:ext uri="{FF2B5EF4-FFF2-40B4-BE49-F238E27FC236}">
-                <a16:creationId xmlns:a16="http://schemas.microsoft.com/office/drawing/2014/main" xmlns="" id="{83D29F65-481C-4C80-BB65-121E5AED26B5}"/>
+                <a16:creationId xmlns="" xmlns:a16="http://schemas.microsoft.com/office/drawing/2014/main" id="{83D29F65-481C-4C80-BB65-121E5AED26B5}"/>
               </a:ext>
             </a:extLst>
           </p:cNvPr>
@@ -3629,7 +3629,7 @@
           <p:cNvPr id="7" name="Slide Number Placeholder 5">
             <a:extLst>
               <a:ext uri="{FF2B5EF4-FFF2-40B4-BE49-F238E27FC236}">
-                <a16:creationId xmlns:a16="http://schemas.microsoft.com/office/drawing/2014/main" xmlns="" id="{5ECA3099-A94F-4C3E-BC29-780EDD38F722}"/>
+                <a16:creationId xmlns="" xmlns:a16="http://schemas.microsoft.com/office/drawing/2014/main" id="{5ECA3099-A94F-4C3E-BC29-780EDD38F722}"/>
               </a:ext>
             </a:extLst>
           </p:cNvPr>
@@ -3753,7 +3753,7 @@
     </p:spTree>
     <p:extLst>
       <p:ext uri="{BB962C8B-B14F-4D97-AF65-F5344CB8AC3E}">
-        <p14:creationId xmlns:p14="http://schemas.microsoft.com/office/powerpoint/2010/main" xmlns="" val="1139767039"/>
+        <p14:creationId xmlns="" xmlns:p14="http://schemas.microsoft.com/office/powerpoint/2010/main" val="1139767039"/>
       </p:ext>
     </p:extLst>
   </p:cSld>
@@ -3790,7 +3790,7 @@
           <p:cNvPr id="7" name="Rectangle 6">
             <a:extLst>
               <a:ext uri="{FF2B5EF4-FFF2-40B4-BE49-F238E27FC236}">
-                <a16:creationId xmlns:a16="http://schemas.microsoft.com/office/drawing/2014/main" xmlns="" id="{70E81F30-8FC8-4841-8404-4DC79218B945}"/>
+                <a16:creationId xmlns="" xmlns:a16="http://schemas.microsoft.com/office/drawing/2014/main" id="{70E81F30-8FC8-4841-8404-4DC79218B945}"/>
               </a:ext>
             </a:extLst>
           </p:cNvPr>
@@ -3842,7 +3842,7 @@
           <p:cNvPr id="25" name="Rectangle: Rounded Corners 24">
             <a:extLst>
               <a:ext uri="{FF2B5EF4-FFF2-40B4-BE49-F238E27FC236}">
-                <a16:creationId xmlns:a16="http://schemas.microsoft.com/office/drawing/2014/main" xmlns="" id="{83D29F65-481C-4C80-BB65-121E5AED26B5}"/>
+                <a16:creationId xmlns="" xmlns:a16="http://schemas.microsoft.com/office/drawing/2014/main" id="{83D29F65-481C-4C80-BB65-121E5AED26B5}"/>
               </a:ext>
             </a:extLst>
           </p:cNvPr>
@@ -3896,7 +3896,7 @@
           <p:cNvPr id="9" name="Rectangle 8">
             <a:extLst>
               <a:ext uri="{FF2B5EF4-FFF2-40B4-BE49-F238E27FC236}">
-                <a16:creationId xmlns:a16="http://schemas.microsoft.com/office/drawing/2014/main" xmlns="" id="{4BC39664-EB8B-4A32-915A-D4308F792772}"/>
+                <a16:creationId xmlns="" xmlns:a16="http://schemas.microsoft.com/office/drawing/2014/main" id="{4BC39664-EB8B-4A32-915A-D4308F792772}"/>
               </a:ext>
             </a:extLst>
           </p:cNvPr>
@@ -3948,7 +3948,7 @@
           <p:cNvPr id="2" name="Title Placeholder 1">
             <a:extLst>
               <a:ext uri="{FF2B5EF4-FFF2-40B4-BE49-F238E27FC236}">
-                <a16:creationId xmlns:a16="http://schemas.microsoft.com/office/drawing/2014/main" xmlns="" id="{090F41A2-6535-4CA6-81E4-026A5B56D9D7}"/>
+                <a16:creationId xmlns="" xmlns:a16="http://schemas.microsoft.com/office/drawing/2014/main" id="{090F41A2-6535-4CA6-81E4-026A5B56D9D7}"/>
               </a:ext>
             </a:extLst>
           </p:cNvPr>
@@ -3986,7 +3986,7 @@
           <p:cNvPr id="3" name="Text Placeholder 2">
             <a:extLst>
               <a:ext uri="{FF2B5EF4-FFF2-40B4-BE49-F238E27FC236}">
-                <a16:creationId xmlns:a16="http://schemas.microsoft.com/office/drawing/2014/main" xmlns="" id="{213AB95C-7DD4-4796-80E4-1B7466A2A037}"/>
+                <a16:creationId xmlns="" xmlns:a16="http://schemas.microsoft.com/office/drawing/2014/main" id="{213AB95C-7DD4-4796-80E4-1B7466A2A037}"/>
               </a:ext>
             </a:extLst>
           </p:cNvPr>
@@ -4053,7 +4053,7 @@
           <p:cNvPr id="5" name="Footer Placeholder 4">
             <a:extLst>
               <a:ext uri="{FF2B5EF4-FFF2-40B4-BE49-F238E27FC236}">
-                <a16:creationId xmlns:a16="http://schemas.microsoft.com/office/drawing/2014/main" xmlns="" id="{58879C91-B77F-4273-9A27-A3535FB889DB}"/>
+                <a16:creationId xmlns="" xmlns:a16="http://schemas.microsoft.com/office/drawing/2014/main" id="{58879C91-B77F-4273-9A27-A3535FB889DB}"/>
               </a:ext>
             </a:extLst>
           </p:cNvPr>
@@ -4101,7 +4101,7 @@
           <p:cNvPr id="6" name="Slide Number Placeholder 5">
             <a:extLst>
               <a:ext uri="{FF2B5EF4-FFF2-40B4-BE49-F238E27FC236}">
-                <a16:creationId xmlns:a16="http://schemas.microsoft.com/office/drawing/2014/main" xmlns="" id="{5ECA3099-A94F-4C3E-BC29-780EDD38F722}"/>
+                <a16:creationId xmlns="" xmlns:a16="http://schemas.microsoft.com/office/drawing/2014/main" id="{5ECA3099-A94F-4C3E-BC29-780EDD38F722}"/>
               </a:ext>
             </a:extLst>
           </p:cNvPr>
@@ -4168,7 +4168,7 @@
     </p:spTree>
     <p:extLst>
       <p:ext uri="{BB962C8B-B14F-4D97-AF65-F5344CB8AC3E}">
-        <p14:creationId xmlns:p14="http://schemas.microsoft.com/office/powerpoint/2010/main" xmlns="" val="946163275"/>
+        <p14:creationId xmlns="" xmlns:p14="http://schemas.microsoft.com/office/powerpoint/2010/main" val="946163275"/>
       </p:ext>
     </p:extLst>
   </p:cSld>
@@ -4504,7 +4504,7 @@
           <p:cNvPr id="7" name="Picture Placeholder 6" descr="Slide image">
             <a:extLst>
               <a:ext uri="{FF2B5EF4-FFF2-40B4-BE49-F238E27FC236}">
-                <a16:creationId xmlns:a16="http://schemas.microsoft.com/office/drawing/2014/main" xmlns="" id="{FE5D908F-BAEF-2843-BC2F-691696E72E11}"/>
+                <a16:creationId xmlns="" xmlns:a16="http://schemas.microsoft.com/office/drawing/2014/main" id="{FE5D908F-BAEF-2843-BC2F-691696E72E11}"/>
               </a:ext>
             </a:extLst>
           </p:cNvPr>
@@ -4533,10 +4533,10 @@
           <p:cNvPr id="24" name="TextBox 23">
             <a:extLst>
               <a:ext uri="{FF2B5EF4-FFF2-40B4-BE49-F238E27FC236}">
-                <a16:creationId xmlns:a16="http://schemas.microsoft.com/office/drawing/2014/main" xmlns="" id="{7EF238CB-AB58-4787-8F9C-A1C16929A2FA}"/>
+                <a16:creationId xmlns="" xmlns:a16="http://schemas.microsoft.com/office/drawing/2014/main" id="{7EF238CB-AB58-4787-8F9C-A1C16929A2FA}"/>
               </a:ext>
               <a:ext uri="{C183D7F6-B498-43B3-948B-1728B52AA6E4}">
-                <adec:decorative xmlns:adec="http://schemas.microsoft.com/office/drawing/2017/decorative" xmlns="" val="1"/>
+                <adec:decorative xmlns="" xmlns:adec="http://schemas.microsoft.com/office/drawing/2017/decorative" val="1"/>
               </a:ext>
             </a:extLst>
           </p:cNvPr>
@@ -4674,7 +4674,7 @@
           <p:cNvPr id="25" name="Title 2">
             <a:extLst>
               <a:ext uri="{FF2B5EF4-FFF2-40B4-BE49-F238E27FC236}">
-                <a16:creationId xmlns:a16="http://schemas.microsoft.com/office/drawing/2014/main" xmlns="" id="{200B3D2B-613A-41BE-987D-E6A1324B456D}"/>
+                <a16:creationId xmlns="" xmlns:a16="http://schemas.microsoft.com/office/drawing/2014/main" id="{200B3D2B-613A-41BE-987D-E6A1324B456D}"/>
               </a:ext>
             </a:extLst>
           </p:cNvPr>
@@ -4745,7 +4745,7 @@
           <p:cNvPr id="26" name="Subtitle 3">
             <a:extLst>
               <a:ext uri="{FF2B5EF4-FFF2-40B4-BE49-F238E27FC236}">
-                <a16:creationId xmlns:a16="http://schemas.microsoft.com/office/drawing/2014/main" xmlns="" id="{4772945D-CA91-4CFE-8EB7-941C7618C994}"/>
+                <a16:creationId xmlns="" xmlns:a16="http://schemas.microsoft.com/office/drawing/2014/main" id="{4772945D-CA91-4CFE-8EB7-941C7618C994}"/>
               </a:ext>
             </a:extLst>
           </p:cNvPr>
@@ -4795,10 +4795,10 @@
           <p:cNvPr id="27" name="Isosceles Triangle 26">
             <a:extLst>
               <a:ext uri="{FF2B5EF4-FFF2-40B4-BE49-F238E27FC236}">
-                <a16:creationId xmlns:a16="http://schemas.microsoft.com/office/drawing/2014/main" xmlns="" id="{545D50A1-D634-4325-B06C-5450FDF7B818}"/>
+                <a16:creationId xmlns="" xmlns:a16="http://schemas.microsoft.com/office/drawing/2014/main" id="{545D50A1-D634-4325-B06C-5450FDF7B818}"/>
               </a:ext>
               <a:ext uri="{C183D7F6-B498-43B3-948B-1728B52AA6E4}">
-                <adec:decorative xmlns:adec="http://schemas.microsoft.com/office/drawing/2017/decorative" xmlns="" val="1"/>
+                <adec:decorative xmlns="" xmlns:adec="http://schemas.microsoft.com/office/drawing/2017/decorative" val="1"/>
               </a:ext>
             </a:extLst>
           </p:cNvPr>
@@ -4893,7 +4893,7 @@
     </p:spTree>
     <p:extLst>
       <p:ext uri="{BB962C8B-B14F-4D97-AF65-F5344CB8AC3E}">
-        <p14:creationId xmlns:p14="http://schemas.microsoft.com/office/powerpoint/2010/main" xmlns="" val="3899961691"/>
+        <p14:creationId xmlns="" xmlns:p14="http://schemas.microsoft.com/office/powerpoint/2010/main" val="3899961691"/>
       </p:ext>
     </p:extLst>
   </p:cSld>
@@ -4925,7 +4925,7 @@
           <p:cNvPr id="9" name="Title 3">
             <a:extLst>
               <a:ext uri="{FF2B5EF4-FFF2-40B4-BE49-F238E27FC236}">
-                <a16:creationId xmlns:a16="http://schemas.microsoft.com/office/drawing/2014/main" xmlns="" id="{E98DCA46-603B-4178-8707-30E192CE6B8D}"/>
+                <a16:creationId xmlns="" xmlns:a16="http://schemas.microsoft.com/office/drawing/2014/main" id="{E98DCA46-603B-4178-8707-30E192CE6B8D}"/>
               </a:ext>
             </a:extLst>
           </p:cNvPr>
@@ -4953,7 +4953,7 @@
           <p:cNvPr id="2" name="Slide Number Placeholder 1">
             <a:extLst>
               <a:ext uri="{FF2B5EF4-FFF2-40B4-BE49-F238E27FC236}">
-                <a16:creationId xmlns:a16="http://schemas.microsoft.com/office/drawing/2014/main" xmlns="" id="{5E0A2811-986E-4EBF-9612-8E79971C972D}"/>
+                <a16:creationId xmlns="" xmlns:a16="http://schemas.microsoft.com/office/drawing/2014/main" id="{5E0A2811-986E-4EBF-9612-8E79971C972D}"/>
               </a:ext>
             </a:extLst>
           </p:cNvPr>
@@ -5015,7 +5015,7 @@
           <p:cNvPr id="10" name="Content Placeholder 3">
             <a:extLst>
               <a:ext uri="{FF2B5EF4-FFF2-40B4-BE49-F238E27FC236}">
-                <a16:creationId xmlns:a16="http://schemas.microsoft.com/office/drawing/2014/main" xmlns="" id="{D355C61F-C8F1-4977-8E1F-F16C0D9EA88C}"/>
+                <a16:creationId xmlns="" xmlns:a16="http://schemas.microsoft.com/office/drawing/2014/main" id="{D355C61F-C8F1-4977-8E1F-F16C0D9EA88C}"/>
               </a:ext>
             </a:extLst>
           </p:cNvPr>
@@ -5151,7 +5151,7 @@
     </p:spTree>
     <p:extLst>
       <p:ext uri="{BB962C8B-B14F-4D97-AF65-F5344CB8AC3E}">
-        <p14:creationId xmlns:p14="http://schemas.microsoft.com/office/powerpoint/2010/main" xmlns="" val="59582380"/>
+        <p14:creationId xmlns="" xmlns:p14="http://schemas.microsoft.com/office/powerpoint/2010/main" val="59582380"/>
       </p:ext>
     </p:extLst>
   </p:cSld>
@@ -5183,7 +5183,7 @@
           <p:cNvPr id="18" name="Title 3">
             <a:extLst>
               <a:ext uri="{FF2B5EF4-FFF2-40B4-BE49-F238E27FC236}">
-                <a16:creationId xmlns:a16="http://schemas.microsoft.com/office/drawing/2014/main" xmlns="" id="{E98DCA46-603B-4178-8707-30E192CE6B8D}"/>
+                <a16:creationId xmlns="" xmlns:a16="http://schemas.microsoft.com/office/drawing/2014/main" id="{E98DCA46-603B-4178-8707-30E192CE6B8D}"/>
               </a:ext>
             </a:extLst>
           </p:cNvPr>
@@ -5211,7 +5211,7 @@
           <p:cNvPr id="2" name="Slide Number Placeholder 1">
             <a:extLst>
               <a:ext uri="{FF2B5EF4-FFF2-40B4-BE49-F238E27FC236}">
-                <a16:creationId xmlns:a16="http://schemas.microsoft.com/office/drawing/2014/main" xmlns="" id="{5E0A2811-986E-4EBF-9612-8E79971C972D}"/>
+                <a16:creationId xmlns="" xmlns:a16="http://schemas.microsoft.com/office/drawing/2014/main" id="{5E0A2811-986E-4EBF-9612-8E79971C972D}"/>
               </a:ext>
             </a:extLst>
           </p:cNvPr>
@@ -5272,7 +5272,7 @@
           <p:cNvPr id="19" name="Content Placeholder 3">
             <a:extLst>
               <a:ext uri="{FF2B5EF4-FFF2-40B4-BE49-F238E27FC236}">
-                <a16:creationId xmlns:a16="http://schemas.microsoft.com/office/drawing/2014/main" xmlns="" id="{D355C61F-C8F1-4977-8E1F-F16C0D9EA88C}"/>
+                <a16:creationId xmlns="" xmlns:a16="http://schemas.microsoft.com/office/drawing/2014/main" id="{D355C61F-C8F1-4977-8E1F-F16C0D9EA88C}"/>
               </a:ext>
             </a:extLst>
           </p:cNvPr>
@@ -5403,7 +5403,7 @@
     </p:spTree>
     <p:extLst>
       <p:ext uri="{BB962C8B-B14F-4D97-AF65-F5344CB8AC3E}">
-        <p14:creationId xmlns:p14="http://schemas.microsoft.com/office/powerpoint/2010/main" xmlns="" val="59582380"/>
+        <p14:creationId xmlns="" xmlns:p14="http://schemas.microsoft.com/office/powerpoint/2010/main" val="59582380"/>
       </p:ext>
     </p:extLst>
   </p:cSld>
@@ -5435,7 +5435,7 @@
           <p:cNvPr id="4" name="Title 3">
             <a:extLst>
               <a:ext uri="{FF2B5EF4-FFF2-40B4-BE49-F238E27FC236}">
-                <a16:creationId xmlns:a16="http://schemas.microsoft.com/office/drawing/2014/main" xmlns="" id="{E98DCA46-603B-4178-8707-30E192CE6B8D}"/>
+                <a16:creationId xmlns="" xmlns:a16="http://schemas.microsoft.com/office/drawing/2014/main" id="{E98DCA46-603B-4178-8707-30E192CE6B8D}"/>
               </a:ext>
             </a:extLst>
           </p:cNvPr>
@@ -5463,7 +5463,7 @@
           <p:cNvPr id="2" name="Slide Number Placeholder 1">
             <a:extLst>
               <a:ext uri="{FF2B5EF4-FFF2-40B4-BE49-F238E27FC236}">
-                <a16:creationId xmlns:a16="http://schemas.microsoft.com/office/drawing/2014/main" xmlns="" id="{5E0A2811-986E-4EBF-9612-8E79971C972D}"/>
+                <a16:creationId xmlns="" xmlns:a16="http://schemas.microsoft.com/office/drawing/2014/main" id="{5E0A2811-986E-4EBF-9612-8E79971C972D}"/>
               </a:ext>
             </a:extLst>
           </p:cNvPr>
@@ -5493,7 +5493,7 @@
           <p:cNvPr id="7" name="Content Placeholder 3">
             <a:extLst>
               <a:ext uri="{FF2B5EF4-FFF2-40B4-BE49-F238E27FC236}">
-                <a16:creationId xmlns:a16="http://schemas.microsoft.com/office/drawing/2014/main" xmlns="" id="{D355C61F-C8F1-4977-8E1F-F16C0D9EA88C}"/>
+                <a16:creationId xmlns="" xmlns:a16="http://schemas.microsoft.com/office/drawing/2014/main" id="{D355C61F-C8F1-4977-8E1F-F16C0D9EA88C}"/>
               </a:ext>
             </a:extLst>
           </p:cNvPr>
@@ -5686,7 +5686,7 @@
     </p:spTree>
     <p:extLst>
       <p:ext uri="{BB962C8B-B14F-4D97-AF65-F5344CB8AC3E}">
-        <p14:creationId xmlns:p14="http://schemas.microsoft.com/office/powerpoint/2010/main" xmlns="" val="59582380"/>
+        <p14:creationId xmlns="" xmlns:p14="http://schemas.microsoft.com/office/powerpoint/2010/main" val="59582380"/>
       </p:ext>
     </p:extLst>
   </p:cSld>
@@ -5718,7 +5718,7 @@
           <p:cNvPr id="4" name="Title 3">
             <a:extLst>
               <a:ext uri="{FF2B5EF4-FFF2-40B4-BE49-F238E27FC236}">
-                <a16:creationId xmlns:a16="http://schemas.microsoft.com/office/drawing/2014/main" xmlns="" id="{E98DCA46-603B-4178-8707-30E192CE6B8D}"/>
+                <a16:creationId xmlns="" xmlns:a16="http://schemas.microsoft.com/office/drawing/2014/main" id="{E98DCA46-603B-4178-8707-30E192CE6B8D}"/>
               </a:ext>
             </a:extLst>
           </p:cNvPr>
@@ -5746,7 +5746,7 @@
           <p:cNvPr id="2" name="Slide Number Placeholder 1">
             <a:extLst>
               <a:ext uri="{FF2B5EF4-FFF2-40B4-BE49-F238E27FC236}">
-                <a16:creationId xmlns:a16="http://schemas.microsoft.com/office/drawing/2014/main" xmlns="" id="{5E0A2811-986E-4EBF-9612-8E79971C972D}"/>
+                <a16:creationId xmlns="" xmlns:a16="http://schemas.microsoft.com/office/drawing/2014/main" id="{5E0A2811-986E-4EBF-9612-8E79971C972D}"/>
               </a:ext>
             </a:extLst>
           </p:cNvPr>
@@ -5776,7 +5776,7 @@
           <p:cNvPr id="7" name="Content Placeholder 3">
             <a:extLst>
               <a:ext uri="{FF2B5EF4-FFF2-40B4-BE49-F238E27FC236}">
-                <a16:creationId xmlns:a16="http://schemas.microsoft.com/office/drawing/2014/main" xmlns="" id="{D355C61F-C8F1-4977-8E1F-F16C0D9EA88C}"/>
+                <a16:creationId xmlns="" xmlns:a16="http://schemas.microsoft.com/office/drawing/2014/main" id="{D355C61F-C8F1-4977-8E1F-F16C0D9EA88C}"/>
               </a:ext>
             </a:extLst>
           </p:cNvPr>
@@ -5894,7 +5894,7 @@
           <p:cNvPr id="31" name="Slide Number Placeholder 1">
             <a:extLst>
               <a:ext uri="{FF2B5EF4-FFF2-40B4-BE49-F238E27FC236}">
-                <a16:creationId xmlns:a16="http://schemas.microsoft.com/office/drawing/2014/main" xmlns="" id="{5E0A2811-986E-4EBF-9612-8E79971C972D}"/>
+                <a16:creationId xmlns="" xmlns:a16="http://schemas.microsoft.com/office/drawing/2014/main" id="{5E0A2811-986E-4EBF-9612-8E79971C972D}"/>
               </a:ext>
             </a:extLst>
           </p:cNvPr>
@@ -6035,7 +6035,7 @@
     </p:spTree>
     <p:extLst>
       <p:ext uri="{BB962C8B-B14F-4D97-AF65-F5344CB8AC3E}">
-        <p14:creationId xmlns:p14="http://schemas.microsoft.com/office/powerpoint/2010/main" xmlns="" val="59582380"/>
+        <p14:creationId xmlns="" xmlns:p14="http://schemas.microsoft.com/office/powerpoint/2010/main" val="59582380"/>
       </p:ext>
     </p:extLst>
   </p:cSld>
@@ -6067,7 +6067,7 @@
           <p:cNvPr id="11" name="Title 3">
             <a:extLst>
               <a:ext uri="{FF2B5EF4-FFF2-40B4-BE49-F238E27FC236}">
-                <a16:creationId xmlns:a16="http://schemas.microsoft.com/office/drawing/2014/main" xmlns="" id="{E98DCA46-603B-4178-8707-30E192CE6B8D}"/>
+                <a16:creationId xmlns="" xmlns:a16="http://schemas.microsoft.com/office/drawing/2014/main" id="{E98DCA46-603B-4178-8707-30E192CE6B8D}"/>
               </a:ext>
             </a:extLst>
           </p:cNvPr>
@@ -6095,7 +6095,7 @@
           <p:cNvPr id="2" name="Slide Number Placeholder 1">
             <a:extLst>
               <a:ext uri="{FF2B5EF4-FFF2-40B4-BE49-F238E27FC236}">
-                <a16:creationId xmlns:a16="http://schemas.microsoft.com/office/drawing/2014/main" xmlns="" id="{5E0A2811-986E-4EBF-9612-8E79971C972D}"/>
+                <a16:creationId xmlns="" xmlns:a16="http://schemas.microsoft.com/office/drawing/2014/main" id="{5E0A2811-986E-4EBF-9612-8E79971C972D}"/>
               </a:ext>
             </a:extLst>
           </p:cNvPr>
@@ -6125,7 +6125,7 @@
           <p:cNvPr id="12" name="Content Placeholder 3">
             <a:extLst>
               <a:ext uri="{FF2B5EF4-FFF2-40B4-BE49-F238E27FC236}">
-                <a16:creationId xmlns:a16="http://schemas.microsoft.com/office/drawing/2014/main" xmlns="" id="{D355C61F-C8F1-4977-8E1F-F16C0D9EA88C}"/>
+                <a16:creationId xmlns="" xmlns:a16="http://schemas.microsoft.com/office/drawing/2014/main" id="{D355C61F-C8F1-4977-8E1F-F16C0D9EA88C}"/>
               </a:ext>
             </a:extLst>
           </p:cNvPr>
@@ -6295,7 +6295,7 @@
     </p:spTree>
     <p:extLst>
       <p:ext uri="{BB962C8B-B14F-4D97-AF65-F5344CB8AC3E}">
-        <p14:creationId xmlns:p14="http://schemas.microsoft.com/office/powerpoint/2010/main" xmlns="" val="59582380"/>
+        <p14:creationId xmlns="" xmlns:p14="http://schemas.microsoft.com/office/powerpoint/2010/main" val="59582380"/>
       </p:ext>
     </p:extLst>
   </p:cSld>
@@ -6327,7 +6327,7 @@
           <p:cNvPr id="7" name="Title 3">
             <a:extLst>
               <a:ext uri="{FF2B5EF4-FFF2-40B4-BE49-F238E27FC236}">
-                <a16:creationId xmlns:a16="http://schemas.microsoft.com/office/drawing/2014/main" xmlns="" id="{E98DCA46-603B-4178-8707-30E192CE6B8D}"/>
+                <a16:creationId xmlns="" xmlns:a16="http://schemas.microsoft.com/office/drawing/2014/main" id="{E98DCA46-603B-4178-8707-30E192CE6B8D}"/>
               </a:ext>
             </a:extLst>
           </p:cNvPr>
@@ -6383,7 +6383,7 @@
           <p:cNvPr id="8" name="Content Placeholder 3">
             <a:extLst>
               <a:ext uri="{FF2B5EF4-FFF2-40B4-BE49-F238E27FC236}">
-                <a16:creationId xmlns:a16="http://schemas.microsoft.com/office/drawing/2014/main" xmlns="" id="{D355C61F-C8F1-4977-8E1F-F16C0D9EA88C}"/>
+                <a16:creationId xmlns="" xmlns:a16="http://schemas.microsoft.com/office/drawing/2014/main" id="{D355C61F-C8F1-4977-8E1F-F16C0D9EA88C}"/>
               </a:ext>
             </a:extLst>
           </p:cNvPr>
@@ -6657,7 +6657,7 @@
           <p:cNvPr id="7" name="Title 3">
             <a:extLst>
               <a:ext uri="{FF2B5EF4-FFF2-40B4-BE49-F238E27FC236}">
-                <a16:creationId xmlns:a16="http://schemas.microsoft.com/office/drawing/2014/main" xmlns="" id="{E98DCA46-603B-4178-8707-30E192CE6B8D}"/>
+                <a16:creationId xmlns="" xmlns:a16="http://schemas.microsoft.com/office/drawing/2014/main" id="{E98DCA46-603B-4178-8707-30E192CE6B8D}"/>
               </a:ext>
             </a:extLst>
           </p:cNvPr>
@@ -6717,7 +6717,7 @@
           <p:cNvPr id="8" name="Content Placeholder 3">
             <a:extLst>
               <a:ext uri="{FF2B5EF4-FFF2-40B4-BE49-F238E27FC236}">
-                <a16:creationId xmlns:a16="http://schemas.microsoft.com/office/drawing/2014/main" xmlns="" id="{D355C61F-C8F1-4977-8E1F-F16C0D9EA88C}"/>
+                <a16:creationId xmlns="" xmlns:a16="http://schemas.microsoft.com/office/drawing/2014/main" id="{D355C61F-C8F1-4977-8E1F-F16C0D9EA88C}"/>
               </a:ext>
             </a:extLst>
           </p:cNvPr>
@@ -7165,7 +7165,7 @@
           <p:cNvPr id="7" name="Title 3">
             <a:extLst>
               <a:ext uri="{FF2B5EF4-FFF2-40B4-BE49-F238E27FC236}">
-                <a16:creationId xmlns:a16="http://schemas.microsoft.com/office/drawing/2014/main" xmlns="" id="{E98DCA46-603B-4178-8707-30E192CE6B8D}"/>
+                <a16:creationId xmlns="" xmlns:a16="http://schemas.microsoft.com/office/drawing/2014/main" id="{E98DCA46-603B-4178-8707-30E192CE6B8D}"/>
               </a:ext>
             </a:extLst>
           </p:cNvPr>
@@ -7225,7 +7225,7 @@
           <p:cNvPr id="8" name="Content Placeholder 3">
             <a:extLst>
               <a:ext uri="{FF2B5EF4-FFF2-40B4-BE49-F238E27FC236}">
-                <a16:creationId xmlns:a16="http://schemas.microsoft.com/office/drawing/2014/main" xmlns="" id="{D355C61F-C8F1-4977-8E1F-F16C0D9EA88C}"/>
+                <a16:creationId xmlns="" xmlns:a16="http://schemas.microsoft.com/office/drawing/2014/main" id="{D355C61F-C8F1-4977-8E1F-F16C0D9EA88C}"/>
               </a:ext>
             </a:extLst>
           </p:cNvPr>
@@ -7489,7 +7489,7 @@
           <p:cNvPr id="4" name="Title 3">
             <a:extLst>
               <a:ext uri="{FF2B5EF4-FFF2-40B4-BE49-F238E27FC236}">
-                <a16:creationId xmlns:a16="http://schemas.microsoft.com/office/drawing/2014/main" xmlns="" id="{E98DCA46-603B-4178-8707-30E192CE6B8D}"/>
+                <a16:creationId xmlns="" xmlns:a16="http://schemas.microsoft.com/office/drawing/2014/main" id="{E98DCA46-603B-4178-8707-30E192CE6B8D}"/>
               </a:ext>
             </a:extLst>
           </p:cNvPr>
@@ -7517,7 +7517,7 @@
           <p:cNvPr id="2" name="Slide Number Placeholder 1">
             <a:extLst>
               <a:ext uri="{FF2B5EF4-FFF2-40B4-BE49-F238E27FC236}">
-                <a16:creationId xmlns:a16="http://schemas.microsoft.com/office/drawing/2014/main" xmlns="" id="{5E0A2811-986E-4EBF-9612-8E79971C972D}"/>
+                <a16:creationId xmlns="" xmlns:a16="http://schemas.microsoft.com/office/drawing/2014/main" id="{5E0A2811-986E-4EBF-9612-8E79971C972D}"/>
               </a:ext>
             </a:extLst>
           </p:cNvPr>
@@ -7547,7 +7547,7 @@
           <p:cNvPr id="5" name="Content Placeholder 3">
             <a:extLst>
               <a:ext uri="{FF2B5EF4-FFF2-40B4-BE49-F238E27FC236}">
-                <a16:creationId xmlns:a16="http://schemas.microsoft.com/office/drawing/2014/main" xmlns="" id="{D355C61F-C8F1-4977-8E1F-F16C0D9EA88C}"/>
+                <a16:creationId xmlns="" xmlns:a16="http://schemas.microsoft.com/office/drawing/2014/main" id="{D355C61F-C8F1-4977-8E1F-F16C0D9EA88C}"/>
               </a:ext>
             </a:extLst>
           </p:cNvPr>
@@ -7858,7 +7858,7 @@
     </p:spTree>
     <p:extLst>
       <p:ext uri="{BB962C8B-B14F-4D97-AF65-F5344CB8AC3E}">
-        <p14:creationId xmlns:p14="http://schemas.microsoft.com/office/powerpoint/2010/main" xmlns="" val="59582380"/>
+        <p14:creationId xmlns="" xmlns:p14="http://schemas.microsoft.com/office/powerpoint/2010/main" val="59582380"/>
       </p:ext>
     </p:extLst>
   </p:cSld>
@@ -7890,7 +7890,7 @@
           <p:cNvPr id="2" name="Slide Number Placeholder 1">
             <a:extLst>
               <a:ext uri="{FF2B5EF4-FFF2-40B4-BE49-F238E27FC236}">
-                <a16:creationId xmlns:a16="http://schemas.microsoft.com/office/drawing/2014/main" xmlns="" id="{5E0A2811-986E-4EBF-9612-8E79971C972D}"/>
+                <a16:creationId xmlns="" xmlns:a16="http://schemas.microsoft.com/office/drawing/2014/main" id="{5E0A2811-986E-4EBF-9612-8E79971C972D}"/>
               </a:ext>
             </a:extLst>
           </p:cNvPr>
@@ -7920,7 +7920,7 @@
           <p:cNvPr id="4" name="Title 3">
             <a:extLst>
               <a:ext uri="{FF2B5EF4-FFF2-40B4-BE49-F238E27FC236}">
-                <a16:creationId xmlns:a16="http://schemas.microsoft.com/office/drawing/2014/main" xmlns="" id="{E98DCA46-603B-4178-8707-30E192CE6B8D}"/>
+                <a16:creationId xmlns="" xmlns:a16="http://schemas.microsoft.com/office/drawing/2014/main" id="{E98DCA46-603B-4178-8707-30E192CE6B8D}"/>
               </a:ext>
             </a:extLst>
           </p:cNvPr>
@@ -7956,7 +7956,7 @@
           <p:cNvPr id="5" name="Content Placeholder 3">
             <a:extLst>
               <a:ext uri="{FF2B5EF4-FFF2-40B4-BE49-F238E27FC236}">
-                <a16:creationId xmlns:a16="http://schemas.microsoft.com/office/drawing/2014/main" xmlns="" id="{D355C61F-C8F1-4977-8E1F-F16C0D9EA88C}"/>
+                <a16:creationId xmlns="" xmlns:a16="http://schemas.microsoft.com/office/drawing/2014/main" id="{D355C61F-C8F1-4977-8E1F-F16C0D9EA88C}"/>
               </a:ext>
             </a:extLst>
           </p:cNvPr>
@@ -8225,7 +8225,7 @@
     </p:spTree>
     <p:extLst>
       <p:ext uri="{BB962C8B-B14F-4D97-AF65-F5344CB8AC3E}">
-        <p14:creationId xmlns:p14="http://schemas.microsoft.com/office/powerpoint/2010/main" xmlns="" val="59582380"/>
+        <p14:creationId xmlns="" xmlns:p14="http://schemas.microsoft.com/office/powerpoint/2010/main" val="59582380"/>
       </p:ext>
     </p:extLst>
   </p:cSld>
@@ -8257,7 +8257,7 @@
           <p:cNvPr id="4" name="Title 3">
             <a:extLst>
               <a:ext uri="{FF2B5EF4-FFF2-40B4-BE49-F238E27FC236}">
-                <a16:creationId xmlns:a16="http://schemas.microsoft.com/office/drawing/2014/main" xmlns="" id="{E98DCA46-603B-4178-8707-30E192CE6B8D}"/>
+                <a16:creationId xmlns="" xmlns:a16="http://schemas.microsoft.com/office/drawing/2014/main" id="{E98DCA46-603B-4178-8707-30E192CE6B8D}"/>
               </a:ext>
             </a:extLst>
           </p:cNvPr>
@@ -8285,7 +8285,7 @@
           <p:cNvPr id="2" name="Slide Number Placeholder 1">
             <a:extLst>
               <a:ext uri="{FF2B5EF4-FFF2-40B4-BE49-F238E27FC236}">
-                <a16:creationId xmlns:a16="http://schemas.microsoft.com/office/drawing/2014/main" xmlns="" id="{5E0A2811-986E-4EBF-9612-8E79971C972D}"/>
+                <a16:creationId xmlns="" xmlns:a16="http://schemas.microsoft.com/office/drawing/2014/main" id="{5E0A2811-986E-4EBF-9612-8E79971C972D}"/>
               </a:ext>
             </a:extLst>
           </p:cNvPr>
@@ -8315,7 +8315,7 @@
           <p:cNvPr id="6" name="Content Placeholder 3">
             <a:extLst>
               <a:ext uri="{FF2B5EF4-FFF2-40B4-BE49-F238E27FC236}">
-                <a16:creationId xmlns:a16="http://schemas.microsoft.com/office/drawing/2014/main" xmlns="" id="{D355C61F-C8F1-4977-8E1F-F16C0D9EA88C}"/>
+                <a16:creationId xmlns="" xmlns:a16="http://schemas.microsoft.com/office/drawing/2014/main" id="{D355C61F-C8F1-4977-8E1F-F16C0D9EA88C}"/>
               </a:ext>
             </a:extLst>
           </p:cNvPr>
@@ -8422,7 +8422,7 @@
     </p:spTree>
     <p:extLst>
       <p:ext uri="{BB962C8B-B14F-4D97-AF65-F5344CB8AC3E}">
-        <p14:creationId xmlns:p14="http://schemas.microsoft.com/office/powerpoint/2010/main" xmlns="" val="59582380"/>
+        <p14:creationId xmlns="" xmlns:p14="http://schemas.microsoft.com/office/powerpoint/2010/main" val="59582380"/>
       </p:ext>
     </p:extLst>
   </p:cSld>
@@ -8454,7 +8454,7 @@
           <p:cNvPr id="4" name="Title 3">
             <a:extLst>
               <a:ext uri="{FF2B5EF4-FFF2-40B4-BE49-F238E27FC236}">
-                <a16:creationId xmlns:a16="http://schemas.microsoft.com/office/drawing/2014/main" xmlns="" id="{E98DCA46-603B-4178-8707-30E192CE6B8D}"/>
+                <a16:creationId xmlns="" xmlns:a16="http://schemas.microsoft.com/office/drawing/2014/main" id="{E98DCA46-603B-4178-8707-30E192CE6B8D}"/>
               </a:ext>
             </a:extLst>
           </p:cNvPr>
@@ -8490,7 +8490,7 @@
           <p:cNvPr id="2" name="Slide Number Placeholder 1">
             <a:extLst>
               <a:ext uri="{FF2B5EF4-FFF2-40B4-BE49-F238E27FC236}">
-                <a16:creationId xmlns:a16="http://schemas.microsoft.com/office/drawing/2014/main" xmlns="" id="{5E0A2811-986E-4EBF-9612-8E79971C972D}"/>
+                <a16:creationId xmlns="" xmlns:a16="http://schemas.microsoft.com/office/drawing/2014/main" id="{5E0A2811-986E-4EBF-9612-8E79971C972D}"/>
               </a:ext>
             </a:extLst>
           </p:cNvPr>
@@ -8520,7 +8520,7 @@
           <p:cNvPr id="5" name="Content Placeholder 3">
             <a:extLst>
               <a:ext uri="{FF2B5EF4-FFF2-40B4-BE49-F238E27FC236}">
-                <a16:creationId xmlns:a16="http://schemas.microsoft.com/office/drawing/2014/main" xmlns="" id="{D355C61F-C8F1-4977-8E1F-F16C0D9EA88C}"/>
+                <a16:creationId xmlns="" xmlns:a16="http://schemas.microsoft.com/office/drawing/2014/main" id="{D355C61F-C8F1-4977-8E1F-F16C0D9EA88C}"/>
               </a:ext>
             </a:extLst>
           </p:cNvPr>
@@ -8828,7 +8828,7 @@
     </p:spTree>
     <p:extLst>
       <p:ext uri="{BB962C8B-B14F-4D97-AF65-F5344CB8AC3E}">
-        <p14:creationId xmlns:p14="http://schemas.microsoft.com/office/powerpoint/2010/main" xmlns="" val="59582380"/>
+        <p14:creationId xmlns="" xmlns:p14="http://schemas.microsoft.com/office/powerpoint/2010/main" val="59582380"/>
       </p:ext>
     </p:extLst>
   </p:cSld>
@@ -8860,7 +8860,7 @@
           <p:cNvPr id="4" name="Title 3">
             <a:extLst>
               <a:ext uri="{FF2B5EF4-FFF2-40B4-BE49-F238E27FC236}">
-                <a16:creationId xmlns:a16="http://schemas.microsoft.com/office/drawing/2014/main" xmlns="" id="{E98DCA46-603B-4178-8707-30E192CE6B8D}"/>
+                <a16:creationId xmlns="" xmlns:a16="http://schemas.microsoft.com/office/drawing/2014/main" id="{E98DCA46-603B-4178-8707-30E192CE6B8D}"/>
               </a:ext>
             </a:extLst>
           </p:cNvPr>
@@ -8889,7 +8889,7 @@
           <p:cNvPr id="2" name="Slide Number Placeholder 1">
             <a:extLst>
               <a:ext uri="{FF2B5EF4-FFF2-40B4-BE49-F238E27FC236}">
-                <a16:creationId xmlns:a16="http://schemas.microsoft.com/office/drawing/2014/main" xmlns="" id="{5E0A2811-986E-4EBF-9612-8E79971C972D}"/>
+                <a16:creationId xmlns="" xmlns:a16="http://schemas.microsoft.com/office/drawing/2014/main" id="{5E0A2811-986E-4EBF-9612-8E79971C972D}"/>
               </a:ext>
             </a:extLst>
           </p:cNvPr>
@@ -8919,7 +8919,7 @@
           <p:cNvPr id="5" name="Content Placeholder 3">
             <a:extLst>
               <a:ext uri="{FF2B5EF4-FFF2-40B4-BE49-F238E27FC236}">
-                <a16:creationId xmlns:a16="http://schemas.microsoft.com/office/drawing/2014/main" xmlns="" id="{D355C61F-C8F1-4977-8E1F-F16C0D9EA88C}"/>
+                <a16:creationId xmlns="" xmlns:a16="http://schemas.microsoft.com/office/drawing/2014/main" id="{D355C61F-C8F1-4977-8E1F-F16C0D9EA88C}"/>
               </a:ext>
             </a:extLst>
           </p:cNvPr>
@@ -9252,7 +9252,7 @@
     </p:spTree>
     <p:extLst>
       <p:ext uri="{BB962C8B-B14F-4D97-AF65-F5344CB8AC3E}">
-        <p14:creationId xmlns:p14="http://schemas.microsoft.com/office/powerpoint/2010/main" xmlns="" val="59582380"/>
+        <p14:creationId xmlns="" xmlns:p14="http://schemas.microsoft.com/office/powerpoint/2010/main" val="59582380"/>
       </p:ext>
     </p:extLst>
   </p:cSld>
@@ -9284,7 +9284,7 @@
           <p:cNvPr id="4" name="Title 3">
             <a:extLst>
               <a:ext uri="{FF2B5EF4-FFF2-40B4-BE49-F238E27FC236}">
-                <a16:creationId xmlns:a16="http://schemas.microsoft.com/office/drawing/2014/main" xmlns="" id="{E98DCA46-603B-4178-8707-30E192CE6B8D}"/>
+                <a16:creationId xmlns="" xmlns:a16="http://schemas.microsoft.com/office/drawing/2014/main" id="{E98DCA46-603B-4178-8707-30E192CE6B8D}"/>
               </a:ext>
             </a:extLst>
           </p:cNvPr>
@@ -9316,7 +9316,7 @@
           <p:cNvPr id="2" name="Slide Number Placeholder 1">
             <a:extLst>
               <a:ext uri="{FF2B5EF4-FFF2-40B4-BE49-F238E27FC236}">
-                <a16:creationId xmlns:a16="http://schemas.microsoft.com/office/drawing/2014/main" xmlns="" id="{5E0A2811-986E-4EBF-9612-8E79971C972D}"/>
+                <a16:creationId xmlns="" xmlns:a16="http://schemas.microsoft.com/office/drawing/2014/main" id="{5E0A2811-986E-4EBF-9612-8E79971C972D}"/>
               </a:ext>
             </a:extLst>
           </p:cNvPr>
@@ -9346,7 +9346,7 @@
           <p:cNvPr id="5" name="Content Placeholder 3">
             <a:extLst>
               <a:ext uri="{FF2B5EF4-FFF2-40B4-BE49-F238E27FC236}">
-                <a16:creationId xmlns:a16="http://schemas.microsoft.com/office/drawing/2014/main" xmlns="" id="{D355C61F-C8F1-4977-8E1F-F16C0D9EA88C}"/>
+                <a16:creationId xmlns="" xmlns:a16="http://schemas.microsoft.com/office/drawing/2014/main" id="{D355C61F-C8F1-4977-8E1F-F16C0D9EA88C}"/>
               </a:ext>
             </a:extLst>
           </p:cNvPr>
@@ -9550,7 +9550,7 @@
     </p:spTree>
     <p:extLst>
       <p:ext uri="{BB962C8B-B14F-4D97-AF65-F5344CB8AC3E}">
-        <p14:creationId xmlns:p14="http://schemas.microsoft.com/office/powerpoint/2010/main" xmlns="" val="59582380"/>
+        <p14:creationId xmlns="" xmlns:p14="http://schemas.microsoft.com/office/powerpoint/2010/main" val="59582380"/>
       </p:ext>
     </p:extLst>
   </p:cSld>
@@ -9582,7 +9582,7 @@
           <p:cNvPr id="4" name="Title 3">
             <a:extLst>
               <a:ext uri="{FF2B5EF4-FFF2-40B4-BE49-F238E27FC236}">
-                <a16:creationId xmlns:a16="http://schemas.microsoft.com/office/drawing/2014/main" xmlns="" id="{E98DCA46-603B-4178-8707-30E192CE6B8D}"/>
+                <a16:creationId xmlns="" xmlns:a16="http://schemas.microsoft.com/office/drawing/2014/main" id="{E98DCA46-603B-4178-8707-30E192CE6B8D}"/>
               </a:ext>
             </a:extLst>
           </p:cNvPr>
@@ -9610,7 +9610,7 @@
           <p:cNvPr id="2" name="Slide Number Placeholder 1">
             <a:extLst>
               <a:ext uri="{FF2B5EF4-FFF2-40B4-BE49-F238E27FC236}">
-                <a16:creationId xmlns:a16="http://schemas.microsoft.com/office/drawing/2014/main" xmlns="" id="{5E0A2811-986E-4EBF-9612-8E79971C972D}"/>
+                <a16:creationId xmlns="" xmlns:a16="http://schemas.microsoft.com/office/drawing/2014/main" id="{5E0A2811-986E-4EBF-9612-8E79971C972D}"/>
               </a:ext>
             </a:extLst>
           </p:cNvPr>
@@ -9640,7 +9640,7 @@
           <p:cNvPr id="7" name="Content Placeholder 3">
             <a:extLst>
               <a:ext uri="{FF2B5EF4-FFF2-40B4-BE49-F238E27FC236}">
-                <a16:creationId xmlns:a16="http://schemas.microsoft.com/office/drawing/2014/main" xmlns="" id="{D355C61F-C8F1-4977-8E1F-F16C0D9EA88C}"/>
+                <a16:creationId xmlns="" xmlns:a16="http://schemas.microsoft.com/office/drawing/2014/main" id="{D355C61F-C8F1-4977-8E1F-F16C0D9EA88C}"/>
               </a:ext>
             </a:extLst>
           </p:cNvPr>
@@ -9792,7 +9792,7 @@
     </p:spTree>
     <p:extLst>
       <p:ext uri="{BB962C8B-B14F-4D97-AF65-F5344CB8AC3E}">
-        <p14:creationId xmlns:p14="http://schemas.microsoft.com/office/powerpoint/2010/main" xmlns="" val="59582380"/>
+        <p14:creationId xmlns="" xmlns:p14="http://schemas.microsoft.com/office/powerpoint/2010/main" val="59582380"/>
       </p:ext>
     </p:extLst>
   </p:cSld>
@@ -9824,7 +9824,7 @@
           <p:cNvPr id="4" name="Title 3">
             <a:extLst>
               <a:ext uri="{FF2B5EF4-FFF2-40B4-BE49-F238E27FC236}">
-                <a16:creationId xmlns:a16="http://schemas.microsoft.com/office/drawing/2014/main" xmlns="" id="{E98DCA46-603B-4178-8707-30E192CE6B8D}"/>
+                <a16:creationId xmlns="" xmlns:a16="http://schemas.microsoft.com/office/drawing/2014/main" id="{E98DCA46-603B-4178-8707-30E192CE6B8D}"/>
               </a:ext>
             </a:extLst>
           </p:cNvPr>
@@ -9852,7 +9852,7 @@
           <p:cNvPr id="2" name="Slide Number Placeholder 1">
             <a:extLst>
               <a:ext uri="{FF2B5EF4-FFF2-40B4-BE49-F238E27FC236}">
-                <a16:creationId xmlns:a16="http://schemas.microsoft.com/office/drawing/2014/main" xmlns="" id="{5E0A2811-986E-4EBF-9612-8E79971C972D}"/>
+                <a16:creationId xmlns="" xmlns:a16="http://schemas.microsoft.com/office/drawing/2014/main" id="{5E0A2811-986E-4EBF-9612-8E79971C972D}"/>
               </a:ext>
             </a:extLst>
           </p:cNvPr>
@@ -9882,7 +9882,7 @@
           <p:cNvPr id="7" name="Content Placeholder 3">
             <a:extLst>
               <a:ext uri="{FF2B5EF4-FFF2-40B4-BE49-F238E27FC236}">
-                <a16:creationId xmlns:a16="http://schemas.microsoft.com/office/drawing/2014/main" xmlns="" id="{D355C61F-C8F1-4977-8E1F-F16C0D9EA88C}"/>
+                <a16:creationId xmlns="" xmlns:a16="http://schemas.microsoft.com/office/drawing/2014/main" id="{D355C61F-C8F1-4977-8E1F-F16C0D9EA88C}"/>
               </a:ext>
             </a:extLst>
           </p:cNvPr>
@@ -10184,7 +10184,7 @@
     </p:spTree>
     <p:extLst>
       <p:ext uri="{BB962C8B-B14F-4D97-AF65-F5344CB8AC3E}">
-        <p14:creationId xmlns:p14="http://schemas.microsoft.com/office/powerpoint/2010/main" xmlns="" val="59582380"/>
+        <p14:creationId xmlns="" xmlns:p14="http://schemas.microsoft.com/office/powerpoint/2010/main" val="59582380"/>
       </p:ext>
     </p:extLst>
   </p:cSld>
@@ -10216,7 +10216,7 @@
           <p:cNvPr id="4" name="Title 3">
             <a:extLst>
               <a:ext uri="{FF2B5EF4-FFF2-40B4-BE49-F238E27FC236}">
-                <a16:creationId xmlns:a16="http://schemas.microsoft.com/office/drawing/2014/main" xmlns="" id="{E98DCA46-603B-4178-8707-30E192CE6B8D}"/>
+                <a16:creationId xmlns="" xmlns:a16="http://schemas.microsoft.com/office/drawing/2014/main" id="{E98DCA46-603B-4178-8707-30E192CE6B8D}"/>
               </a:ext>
             </a:extLst>
           </p:cNvPr>
@@ -10244,7 +10244,7 @@
           <p:cNvPr id="2" name="Slide Number Placeholder 1">
             <a:extLst>
               <a:ext uri="{FF2B5EF4-FFF2-40B4-BE49-F238E27FC236}">
-                <a16:creationId xmlns:a16="http://schemas.microsoft.com/office/drawing/2014/main" xmlns="" id="{5E0A2811-986E-4EBF-9612-8E79971C972D}"/>
+                <a16:creationId xmlns="" xmlns:a16="http://schemas.microsoft.com/office/drawing/2014/main" id="{5E0A2811-986E-4EBF-9612-8E79971C972D}"/>
               </a:ext>
             </a:extLst>
           </p:cNvPr>
@@ -10274,7 +10274,7 @@
           <p:cNvPr id="7" name="Content Placeholder 3">
             <a:extLst>
               <a:ext uri="{FF2B5EF4-FFF2-40B4-BE49-F238E27FC236}">
-                <a16:creationId xmlns:a16="http://schemas.microsoft.com/office/drawing/2014/main" xmlns="" id="{D355C61F-C8F1-4977-8E1F-F16C0D9EA88C}"/>
+                <a16:creationId xmlns="" xmlns:a16="http://schemas.microsoft.com/office/drawing/2014/main" id="{D355C61F-C8F1-4977-8E1F-F16C0D9EA88C}"/>
               </a:ext>
             </a:extLst>
           </p:cNvPr>
@@ -10446,7 +10446,7 @@
     </p:spTree>
     <p:extLst>
       <p:ext uri="{BB962C8B-B14F-4D97-AF65-F5344CB8AC3E}">
-        <p14:creationId xmlns:p14="http://schemas.microsoft.com/office/powerpoint/2010/main" xmlns="" val="59582380"/>
+        <p14:creationId xmlns="" xmlns:p14="http://schemas.microsoft.com/office/powerpoint/2010/main" val="59582380"/>
       </p:ext>
     </p:extLst>
   </p:cSld>
@@ -10478,7 +10478,7 @@
           <p:cNvPr id="4" name="Title 3">
             <a:extLst>
               <a:ext uri="{FF2B5EF4-FFF2-40B4-BE49-F238E27FC236}">
-                <a16:creationId xmlns:a16="http://schemas.microsoft.com/office/drawing/2014/main" xmlns="" id="{E98DCA46-603B-4178-8707-30E192CE6B8D}"/>
+                <a16:creationId xmlns="" xmlns:a16="http://schemas.microsoft.com/office/drawing/2014/main" id="{E98DCA46-603B-4178-8707-30E192CE6B8D}"/>
               </a:ext>
             </a:extLst>
           </p:cNvPr>
@@ -10506,7 +10506,7 @@
           <p:cNvPr id="2" name="Slide Number Placeholder 1">
             <a:extLst>
               <a:ext uri="{FF2B5EF4-FFF2-40B4-BE49-F238E27FC236}">
-                <a16:creationId xmlns:a16="http://schemas.microsoft.com/office/drawing/2014/main" xmlns="" id="{5E0A2811-986E-4EBF-9612-8E79971C972D}"/>
+                <a16:creationId xmlns="" xmlns:a16="http://schemas.microsoft.com/office/drawing/2014/main" id="{5E0A2811-986E-4EBF-9612-8E79971C972D}"/>
               </a:ext>
             </a:extLst>
           </p:cNvPr>
@@ -10536,7 +10536,7 @@
           <p:cNvPr id="7" name="Content Placeholder 3">
             <a:extLst>
               <a:ext uri="{FF2B5EF4-FFF2-40B4-BE49-F238E27FC236}">
-                <a16:creationId xmlns:a16="http://schemas.microsoft.com/office/drawing/2014/main" xmlns="" id="{D355C61F-C8F1-4977-8E1F-F16C0D9EA88C}"/>
+                <a16:creationId xmlns="" xmlns:a16="http://schemas.microsoft.com/office/drawing/2014/main" id="{D355C61F-C8F1-4977-8E1F-F16C0D9EA88C}"/>
               </a:ext>
             </a:extLst>
           </p:cNvPr>
@@ -10792,7 +10792,7 @@
     </p:spTree>
     <p:extLst>
       <p:ext uri="{BB962C8B-B14F-4D97-AF65-F5344CB8AC3E}">
-        <p14:creationId xmlns:p14="http://schemas.microsoft.com/office/powerpoint/2010/main" xmlns="" val="59582380"/>
+        <p14:creationId xmlns="" xmlns:p14="http://schemas.microsoft.com/office/powerpoint/2010/main" val="59582380"/>
       </p:ext>
     </p:extLst>
   </p:cSld>
@@ -10824,7 +10824,7 @@
           <p:cNvPr id="4" name="Title 3">
             <a:extLst>
               <a:ext uri="{FF2B5EF4-FFF2-40B4-BE49-F238E27FC236}">
-                <a16:creationId xmlns:a16="http://schemas.microsoft.com/office/drawing/2014/main" xmlns="" id="{E98DCA46-603B-4178-8707-30E192CE6B8D}"/>
+                <a16:creationId xmlns="" xmlns:a16="http://schemas.microsoft.com/office/drawing/2014/main" id="{E98DCA46-603B-4178-8707-30E192CE6B8D}"/>
               </a:ext>
             </a:extLst>
           </p:cNvPr>
@@ -10852,7 +10852,7 @@
           <p:cNvPr id="2" name="Slide Number Placeholder 1">
             <a:extLst>
               <a:ext uri="{FF2B5EF4-FFF2-40B4-BE49-F238E27FC236}">
-                <a16:creationId xmlns:a16="http://schemas.microsoft.com/office/drawing/2014/main" xmlns="" id="{5E0A2811-986E-4EBF-9612-8E79971C972D}"/>
+                <a16:creationId xmlns="" xmlns:a16="http://schemas.microsoft.com/office/drawing/2014/main" id="{5E0A2811-986E-4EBF-9612-8E79971C972D}"/>
               </a:ext>
             </a:extLst>
           </p:cNvPr>
@@ -10882,7 +10882,7 @@
           <p:cNvPr id="7" name="Content Placeholder 3">
             <a:extLst>
               <a:ext uri="{FF2B5EF4-FFF2-40B4-BE49-F238E27FC236}">
-                <a16:creationId xmlns:a16="http://schemas.microsoft.com/office/drawing/2014/main" xmlns="" id="{D355C61F-C8F1-4977-8E1F-F16C0D9EA88C}"/>
+                <a16:creationId xmlns="" xmlns:a16="http://schemas.microsoft.com/office/drawing/2014/main" id="{D355C61F-C8F1-4977-8E1F-F16C0D9EA88C}"/>
               </a:ext>
             </a:extLst>
           </p:cNvPr>
@@ -11136,7 +11136,7 @@
     </p:spTree>
     <p:extLst>
       <p:ext uri="{BB962C8B-B14F-4D97-AF65-F5344CB8AC3E}">
-        <p14:creationId xmlns:p14="http://schemas.microsoft.com/office/powerpoint/2010/main" xmlns="" val="59582380"/>
+        <p14:creationId xmlns="" xmlns:p14="http://schemas.microsoft.com/office/powerpoint/2010/main" val="59582380"/>
       </p:ext>
     </p:extLst>
   </p:cSld>
@@ -11168,7 +11168,7 @@
           <p:cNvPr id="4" name="Title 3">
             <a:extLst>
               <a:ext uri="{FF2B5EF4-FFF2-40B4-BE49-F238E27FC236}">
-                <a16:creationId xmlns:a16="http://schemas.microsoft.com/office/drawing/2014/main" xmlns="" id="{E98DCA46-603B-4178-8707-30E192CE6B8D}"/>
+                <a16:creationId xmlns="" xmlns:a16="http://schemas.microsoft.com/office/drawing/2014/main" id="{E98DCA46-603B-4178-8707-30E192CE6B8D}"/>
               </a:ext>
             </a:extLst>
           </p:cNvPr>
@@ -11197,7 +11197,7 @@
           <p:cNvPr id="2" name="Slide Number Placeholder 1">
             <a:extLst>
               <a:ext uri="{FF2B5EF4-FFF2-40B4-BE49-F238E27FC236}">
-                <a16:creationId xmlns:a16="http://schemas.microsoft.com/office/drawing/2014/main" xmlns="" id="{5E0A2811-986E-4EBF-9612-8E79971C972D}"/>
+                <a16:creationId xmlns="" xmlns:a16="http://schemas.microsoft.com/office/drawing/2014/main" id="{5E0A2811-986E-4EBF-9612-8E79971C972D}"/>
               </a:ext>
             </a:extLst>
           </p:cNvPr>
@@ -11227,7 +11227,7 @@
           <p:cNvPr id="7" name="Content Placeholder 3">
             <a:extLst>
               <a:ext uri="{FF2B5EF4-FFF2-40B4-BE49-F238E27FC236}">
-                <a16:creationId xmlns:a16="http://schemas.microsoft.com/office/drawing/2014/main" xmlns="" id="{D355C61F-C8F1-4977-8E1F-F16C0D9EA88C}"/>
+                <a16:creationId xmlns="" xmlns:a16="http://schemas.microsoft.com/office/drawing/2014/main" id="{D355C61F-C8F1-4977-8E1F-F16C0D9EA88C}"/>
               </a:ext>
             </a:extLst>
           </p:cNvPr>
@@ -11442,7 +11442,7 @@
     </p:spTree>
     <p:extLst>
       <p:ext uri="{BB962C8B-B14F-4D97-AF65-F5344CB8AC3E}">
-        <p14:creationId xmlns:p14="http://schemas.microsoft.com/office/powerpoint/2010/main" xmlns="" val="59582380"/>
+        <p14:creationId xmlns="" xmlns:p14="http://schemas.microsoft.com/office/powerpoint/2010/main" val="59582380"/>
       </p:ext>
     </p:extLst>
   </p:cSld>
@@ -11474,7 +11474,7 @@
           <p:cNvPr id="5" name="Content Placeholder 3">
             <a:extLst>
               <a:ext uri="{FF2B5EF4-FFF2-40B4-BE49-F238E27FC236}">
-                <a16:creationId xmlns:a16="http://schemas.microsoft.com/office/drawing/2014/main" xmlns="" id="{D355C61F-C8F1-4977-8E1F-F16C0D9EA88C}"/>
+                <a16:creationId xmlns="" xmlns:a16="http://schemas.microsoft.com/office/drawing/2014/main" id="{D355C61F-C8F1-4977-8E1F-F16C0D9EA88C}"/>
               </a:ext>
             </a:extLst>
           </p:cNvPr>
@@ -11603,7 +11603,7 @@
           <p:cNvPr id="2" name="Slide Number Placeholder 1">
             <a:extLst>
               <a:ext uri="{FF2B5EF4-FFF2-40B4-BE49-F238E27FC236}">
-                <a16:creationId xmlns:a16="http://schemas.microsoft.com/office/drawing/2014/main" xmlns="" id="{5E0A2811-986E-4EBF-9612-8E79971C972D}"/>
+                <a16:creationId xmlns="" xmlns:a16="http://schemas.microsoft.com/office/drawing/2014/main" id="{5E0A2811-986E-4EBF-9612-8E79971C972D}"/>
               </a:ext>
             </a:extLst>
           </p:cNvPr>
@@ -11633,7 +11633,7 @@
           <p:cNvPr id="4" name="Title 3">
             <a:extLst>
               <a:ext uri="{FF2B5EF4-FFF2-40B4-BE49-F238E27FC236}">
-                <a16:creationId xmlns:a16="http://schemas.microsoft.com/office/drawing/2014/main" xmlns="" id="{E98DCA46-603B-4178-8707-30E192CE6B8D}"/>
+                <a16:creationId xmlns="" xmlns:a16="http://schemas.microsoft.com/office/drawing/2014/main" id="{E98DCA46-603B-4178-8707-30E192CE6B8D}"/>
               </a:ext>
             </a:extLst>
           </p:cNvPr>
@@ -11662,7 +11662,7 @@
           <p:cNvPr id="6" name="Content Placeholder 3">
             <a:extLst>
               <a:ext uri="{FF2B5EF4-FFF2-40B4-BE49-F238E27FC236}">
-                <a16:creationId xmlns:a16="http://schemas.microsoft.com/office/drawing/2014/main" xmlns="" id="{D355C61F-C8F1-4977-8E1F-F16C0D9EA88C}"/>
+                <a16:creationId xmlns="" xmlns:a16="http://schemas.microsoft.com/office/drawing/2014/main" id="{D355C61F-C8F1-4977-8E1F-F16C0D9EA88C}"/>
               </a:ext>
             </a:extLst>
           </p:cNvPr>
@@ -11802,7 +11802,7 @@
           <p:cNvPr id="7" name="Content Placeholder 3">
             <a:extLst>
               <a:ext uri="{FF2B5EF4-FFF2-40B4-BE49-F238E27FC236}">
-                <a16:creationId xmlns:a16="http://schemas.microsoft.com/office/drawing/2014/main" xmlns="" id="{D355C61F-C8F1-4977-8E1F-F16C0D9EA88C}"/>
+                <a16:creationId xmlns="" xmlns:a16="http://schemas.microsoft.com/office/drawing/2014/main" id="{D355C61F-C8F1-4977-8E1F-F16C0D9EA88C}"/>
               </a:ext>
             </a:extLst>
           </p:cNvPr>
@@ -11895,7 +11895,7 @@
     </p:spTree>
     <p:extLst>
       <p:ext uri="{BB962C8B-B14F-4D97-AF65-F5344CB8AC3E}">
-        <p14:creationId xmlns:p14="http://schemas.microsoft.com/office/powerpoint/2010/main" xmlns="" val="59582380"/>
+        <p14:creationId xmlns="" xmlns:p14="http://schemas.microsoft.com/office/powerpoint/2010/main" val="59582380"/>
       </p:ext>
     </p:extLst>
   </p:cSld>
@@ -11927,7 +11927,7 @@
           <p:cNvPr id="4" name="Title 3">
             <a:extLst>
               <a:ext uri="{FF2B5EF4-FFF2-40B4-BE49-F238E27FC236}">
-                <a16:creationId xmlns:a16="http://schemas.microsoft.com/office/drawing/2014/main" xmlns="" id="{E98DCA46-603B-4178-8707-30E192CE6B8D}"/>
+                <a16:creationId xmlns="" xmlns:a16="http://schemas.microsoft.com/office/drawing/2014/main" id="{E98DCA46-603B-4178-8707-30E192CE6B8D}"/>
               </a:ext>
             </a:extLst>
           </p:cNvPr>
@@ -11955,7 +11955,7 @@
           <p:cNvPr id="2" name="Slide Number Placeholder 1">
             <a:extLst>
               <a:ext uri="{FF2B5EF4-FFF2-40B4-BE49-F238E27FC236}">
-                <a16:creationId xmlns:a16="http://schemas.microsoft.com/office/drawing/2014/main" xmlns="" id="{5E0A2811-986E-4EBF-9612-8E79971C972D}"/>
+                <a16:creationId xmlns="" xmlns:a16="http://schemas.microsoft.com/office/drawing/2014/main" id="{5E0A2811-986E-4EBF-9612-8E79971C972D}"/>
               </a:ext>
             </a:extLst>
           </p:cNvPr>
@@ -11985,7 +11985,7 @@
           <p:cNvPr id="6" name="Content Placeholder 3">
             <a:extLst>
               <a:ext uri="{FF2B5EF4-FFF2-40B4-BE49-F238E27FC236}">
-                <a16:creationId xmlns:a16="http://schemas.microsoft.com/office/drawing/2014/main" xmlns="" id="{D355C61F-C8F1-4977-8E1F-F16C0D9EA88C}"/>
+                <a16:creationId xmlns="" xmlns:a16="http://schemas.microsoft.com/office/drawing/2014/main" id="{D355C61F-C8F1-4977-8E1F-F16C0D9EA88C}"/>
               </a:ext>
             </a:extLst>
           </p:cNvPr>
@@ -12173,7 +12173,7 @@
     </p:spTree>
     <p:extLst>
       <p:ext uri="{BB962C8B-B14F-4D97-AF65-F5344CB8AC3E}">
-        <p14:creationId xmlns:p14="http://schemas.microsoft.com/office/powerpoint/2010/main" xmlns="" val="59582380"/>
+        <p14:creationId xmlns="" xmlns:p14="http://schemas.microsoft.com/office/powerpoint/2010/main" val="59582380"/>
       </p:ext>
     </p:extLst>
   </p:cSld>
@@ -12205,7 +12205,7 @@
           <p:cNvPr id="5" name="Content Placeholder 3">
             <a:extLst>
               <a:ext uri="{FF2B5EF4-FFF2-40B4-BE49-F238E27FC236}">
-                <a16:creationId xmlns:a16="http://schemas.microsoft.com/office/drawing/2014/main" xmlns="" id="{D355C61F-C8F1-4977-8E1F-F16C0D9EA88C}"/>
+                <a16:creationId xmlns="" xmlns:a16="http://schemas.microsoft.com/office/drawing/2014/main" id="{D355C61F-C8F1-4977-8E1F-F16C0D9EA88C}"/>
               </a:ext>
             </a:extLst>
           </p:cNvPr>
@@ -12582,7 +12582,7 @@
           <p:cNvPr id="2" name="Slide Number Placeholder 1">
             <a:extLst>
               <a:ext uri="{FF2B5EF4-FFF2-40B4-BE49-F238E27FC236}">
-                <a16:creationId xmlns:a16="http://schemas.microsoft.com/office/drawing/2014/main" xmlns="" id="{5E0A2811-986E-4EBF-9612-8E79971C972D}"/>
+                <a16:creationId xmlns="" xmlns:a16="http://schemas.microsoft.com/office/drawing/2014/main" id="{5E0A2811-986E-4EBF-9612-8E79971C972D}"/>
               </a:ext>
             </a:extLst>
           </p:cNvPr>
@@ -12612,7 +12612,7 @@
           <p:cNvPr id="4" name="Title 3">
             <a:extLst>
               <a:ext uri="{FF2B5EF4-FFF2-40B4-BE49-F238E27FC236}">
-                <a16:creationId xmlns:a16="http://schemas.microsoft.com/office/drawing/2014/main" xmlns="" id="{E98DCA46-603B-4178-8707-30E192CE6B8D}"/>
+                <a16:creationId xmlns="" xmlns:a16="http://schemas.microsoft.com/office/drawing/2014/main" id="{E98DCA46-603B-4178-8707-30E192CE6B8D}"/>
               </a:ext>
             </a:extLst>
           </p:cNvPr>
@@ -12702,7 +12702,7 @@
     </p:spTree>
     <p:extLst>
       <p:ext uri="{BB962C8B-B14F-4D97-AF65-F5344CB8AC3E}">
-        <p14:creationId xmlns:p14="http://schemas.microsoft.com/office/powerpoint/2010/main" xmlns="" val="59582380"/>
+        <p14:creationId xmlns="" xmlns:p14="http://schemas.microsoft.com/office/powerpoint/2010/main" val="59582380"/>
       </p:ext>
     </p:extLst>
   </p:cSld>
@@ -12734,7 +12734,7 @@
           <p:cNvPr id="5" name="Content Placeholder 3">
             <a:extLst>
               <a:ext uri="{FF2B5EF4-FFF2-40B4-BE49-F238E27FC236}">
-                <a16:creationId xmlns:a16="http://schemas.microsoft.com/office/drawing/2014/main" xmlns="" id="{D355C61F-C8F1-4977-8E1F-F16C0D9EA88C}"/>
+                <a16:creationId xmlns="" xmlns:a16="http://schemas.microsoft.com/office/drawing/2014/main" id="{D355C61F-C8F1-4977-8E1F-F16C0D9EA88C}"/>
               </a:ext>
             </a:extLst>
           </p:cNvPr>
@@ -12980,7 +12980,7 @@
           <p:cNvPr id="2" name="Slide Number Placeholder 1">
             <a:extLst>
               <a:ext uri="{FF2B5EF4-FFF2-40B4-BE49-F238E27FC236}">
-                <a16:creationId xmlns:a16="http://schemas.microsoft.com/office/drawing/2014/main" xmlns="" id="{5E0A2811-986E-4EBF-9612-8E79971C972D}"/>
+                <a16:creationId xmlns="" xmlns:a16="http://schemas.microsoft.com/office/drawing/2014/main" id="{5E0A2811-986E-4EBF-9612-8E79971C972D}"/>
               </a:ext>
             </a:extLst>
           </p:cNvPr>
@@ -13010,7 +13010,7 @@
           <p:cNvPr id="4" name="Title 3">
             <a:extLst>
               <a:ext uri="{FF2B5EF4-FFF2-40B4-BE49-F238E27FC236}">
-                <a16:creationId xmlns:a16="http://schemas.microsoft.com/office/drawing/2014/main" xmlns="" id="{E98DCA46-603B-4178-8707-30E192CE6B8D}"/>
+                <a16:creationId xmlns="" xmlns:a16="http://schemas.microsoft.com/office/drawing/2014/main" id="{E98DCA46-603B-4178-8707-30E192CE6B8D}"/>
               </a:ext>
             </a:extLst>
           </p:cNvPr>
@@ -13163,7 +13163,7 @@
     </p:spTree>
     <p:extLst>
       <p:ext uri="{BB962C8B-B14F-4D97-AF65-F5344CB8AC3E}">
-        <p14:creationId xmlns:p14="http://schemas.microsoft.com/office/powerpoint/2010/main" xmlns="" val="59582380"/>
+        <p14:creationId xmlns="" xmlns:p14="http://schemas.microsoft.com/office/powerpoint/2010/main" val="59582380"/>
       </p:ext>
     </p:extLst>
   </p:cSld>
@@ -13195,7 +13195,7 @@
           <p:cNvPr id="5" name="Content Placeholder 3">
             <a:extLst>
               <a:ext uri="{FF2B5EF4-FFF2-40B4-BE49-F238E27FC236}">
-                <a16:creationId xmlns:a16="http://schemas.microsoft.com/office/drawing/2014/main" xmlns="" id="{D355C61F-C8F1-4977-8E1F-F16C0D9EA88C}"/>
+                <a16:creationId xmlns="" xmlns:a16="http://schemas.microsoft.com/office/drawing/2014/main" id="{D355C61F-C8F1-4977-8E1F-F16C0D9EA88C}"/>
               </a:ext>
             </a:extLst>
           </p:cNvPr>
@@ -13380,7 +13380,7 @@
           <p:cNvPr id="2" name="Slide Number Placeholder 1">
             <a:extLst>
               <a:ext uri="{FF2B5EF4-FFF2-40B4-BE49-F238E27FC236}">
-                <a16:creationId xmlns:a16="http://schemas.microsoft.com/office/drawing/2014/main" xmlns="" id="{5E0A2811-986E-4EBF-9612-8E79971C972D}"/>
+                <a16:creationId xmlns="" xmlns:a16="http://schemas.microsoft.com/office/drawing/2014/main" id="{5E0A2811-986E-4EBF-9612-8E79971C972D}"/>
               </a:ext>
             </a:extLst>
           </p:cNvPr>
@@ -13410,7 +13410,7 @@
           <p:cNvPr id="4" name="Title 3">
             <a:extLst>
               <a:ext uri="{FF2B5EF4-FFF2-40B4-BE49-F238E27FC236}">
-                <a16:creationId xmlns:a16="http://schemas.microsoft.com/office/drawing/2014/main" xmlns="" id="{E98DCA46-603B-4178-8707-30E192CE6B8D}"/>
+                <a16:creationId xmlns="" xmlns:a16="http://schemas.microsoft.com/office/drawing/2014/main" id="{E98DCA46-603B-4178-8707-30E192CE6B8D}"/>
               </a:ext>
             </a:extLst>
           </p:cNvPr>
@@ -13500,7 +13500,7 @@
     </p:spTree>
     <p:extLst>
       <p:ext uri="{BB962C8B-B14F-4D97-AF65-F5344CB8AC3E}">
-        <p14:creationId xmlns:p14="http://schemas.microsoft.com/office/powerpoint/2010/main" xmlns="" val="59582380"/>
+        <p14:creationId xmlns="" xmlns:p14="http://schemas.microsoft.com/office/powerpoint/2010/main" val="59582380"/>
       </p:ext>
     </p:extLst>
   </p:cSld>
@@ -13532,7 +13532,7 @@
           <p:cNvPr id="5" name="Content Placeholder 3">
             <a:extLst>
               <a:ext uri="{FF2B5EF4-FFF2-40B4-BE49-F238E27FC236}">
-                <a16:creationId xmlns:a16="http://schemas.microsoft.com/office/drawing/2014/main" xmlns="" id="{D355C61F-C8F1-4977-8E1F-F16C0D9EA88C}"/>
+                <a16:creationId xmlns="" xmlns:a16="http://schemas.microsoft.com/office/drawing/2014/main" id="{D355C61F-C8F1-4977-8E1F-F16C0D9EA88C}"/>
               </a:ext>
             </a:extLst>
           </p:cNvPr>
@@ -13717,7 +13717,7 @@
           <p:cNvPr id="2" name="Slide Number Placeholder 1">
             <a:extLst>
               <a:ext uri="{FF2B5EF4-FFF2-40B4-BE49-F238E27FC236}">
-                <a16:creationId xmlns:a16="http://schemas.microsoft.com/office/drawing/2014/main" xmlns="" id="{5E0A2811-986E-4EBF-9612-8E79971C972D}"/>
+                <a16:creationId xmlns="" xmlns:a16="http://schemas.microsoft.com/office/drawing/2014/main" id="{5E0A2811-986E-4EBF-9612-8E79971C972D}"/>
               </a:ext>
             </a:extLst>
           </p:cNvPr>
@@ -13747,7 +13747,7 @@
           <p:cNvPr id="4" name="Title 3">
             <a:extLst>
               <a:ext uri="{FF2B5EF4-FFF2-40B4-BE49-F238E27FC236}">
-                <a16:creationId xmlns:a16="http://schemas.microsoft.com/office/drawing/2014/main" xmlns="" id="{E98DCA46-603B-4178-8707-30E192CE6B8D}"/>
+                <a16:creationId xmlns="" xmlns:a16="http://schemas.microsoft.com/office/drawing/2014/main" id="{E98DCA46-603B-4178-8707-30E192CE6B8D}"/>
               </a:ext>
             </a:extLst>
           </p:cNvPr>
@@ -13837,7 +13837,7 @@
     </p:spTree>
     <p:extLst>
       <p:ext uri="{BB962C8B-B14F-4D97-AF65-F5344CB8AC3E}">
-        <p14:creationId xmlns:p14="http://schemas.microsoft.com/office/powerpoint/2010/main" xmlns="" val="59582380"/>
+        <p14:creationId xmlns="" xmlns:p14="http://schemas.microsoft.com/office/powerpoint/2010/main" val="59582380"/>
       </p:ext>
     </p:extLst>
   </p:cSld>
@@ -13869,7 +13869,7 @@
           <p:cNvPr id="5" name="Content Placeholder 3">
             <a:extLst>
               <a:ext uri="{FF2B5EF4-FFF2-40B4-BE49-F238E27FC236}">
-                <a16:creationId xmlns:a16="http://schemas.microsoft.com/office/drawing/2014/main" xmlns="" id="{D355C61F-C8F1-4977-8E1F-F16C0D9EA88C}"/>
+                <a16:creationId xmlns="" xmlns:a16="http://schemas.microsoft.com/office/drawing/2014/main" id="{D355C61F-C8F1-4977-8E1F-F16C0D9EA88C}"/>
               </a:ext>
             </a:extLst>
           </p:cNvPr>
@@ -14034,7 +14034,7 @@
           <p:cNvPr id="2" name="Slide Number Placeholder 1">
             <a:extLst>
               <a:ext uri="{FF2B5EF4-FFF2-40B4-BE49-F238E27FC236}">
-                <a16:creationId xmlns:a16="http://schemas.microsoft.com/office/drawing/2014/main" xmlns="" id="{5E0A2811-986E-4EBF-9612-8E79971C972D}"/>
+                <a16:creationId xmlns="" xmlns:a16="http://schemas.microsoft.com/office/drawing/2014/main" id="{5E0A2811-986E-4EBF-9612-8E79971C972D}"/>
               </a:ext>
             </a:extLst>
           </p:cNvPr>
@@ -14064,7 +14064,7 @@
           <p:cNvPr id="4" name="Title 3">
             <a:extLst>
               <a:ext uri="{FF2B5EF4-FFF2-40B4-BE49-F238E27FC236}">
-                <a16:creationId xmlns:a16="http://schemas.microsoft.com/office/drawing/2014/main" xmlns="" id="{E98DCA46-603B-4178-8707-30E192CE6B8D}"/>
+                <a16:creationId xmlns="" xmlns:a16="http://schemas.microsoft.com/office/drawing/2014/main" id="{E98DCA46-603B-4178-8707-30E192CE6B8D}"/>
               </a:ext>
             </a:extLst>
           </p:cNvPr>
@@ -14154,7 +14154,7 @@
     </p:spTree>
     <p:extLst>
       <p:ext uri="{BB962C8B-B14F-4D97-AF65-F5344CB8AC3E}">
-        <p14:creationId xmlns:p14="http://schemas.microsoft.com/office/powerpoint/2010/main" xmlns="" val="59582380"/>
+        <p14:creationId xmlns="" xmlns:p14="http://schemas.microsoft.com/office/powerpoint/2010/main" val="59582380"/>
       </p:ext>
     </p:extLst>
   </p:cSld>
@@ -14186,7 +14186,7 @@
           <p:cNvPr id="5" name="Content Placeholder 3">
             <a:extLst>
               <a:ext uri="{FF2B5EF4-FFF2-40B4-BE49-F238E27FC236}">
-                <a16:creationId xmlns:a16="http://schemas.microsoft.com/office/drawing/2014/main" xmlns="" id="{D355C61F-C8F1-4977-8E1F-F16C0D9EA88C}"/>
+                <a16:creationId xmlns="" xmlns:a16="http://schemas.microsoft.com/office/drawing/2014/main" id="{D355C61F-C8F1-4977-8E1F-F16C0D9EA88C}"/>
               </a:ext>
             </a:extLst>
           </p:cNvPr>
@@ -14293,7 +14293,7 @@
           <p:cNvPr id="2" name="Slide Number Placeholder 1">
             <a:extLst>
               <a:ext uri="{FF2B5EF4-FFF2-40B4-BE49-F238E27FC236}">
-                <a16:creationId xmlns:a16="http://schemas.microsoft.com/office/drawing/2014/main" xmlns="" id="{5E0A2811-986E-4EBF-9612-8E79971C972D}"/>
+                <a16:creationId xmlns="" xmlns:a16="http://schemas.microsoft.com/office/drawing/2014/main" id="{5E0A2811-986E-4EBF-9612-8E79971C972D}"/>
               </a:ext>
             </a:extLst>
           </p:cNvPr>
@@ -14323,7 +14323,7 @@
           <p:cNvPr id="4" name="Title 3">
             <a:extLst>
               <a:ext uri="{FF2B5EF4-FFF2-40B4-BE49-F238E27FC236}">
-                <a16:creationId xmlns:a16="http://schemas.microsoft.com/office/drawing/2014/main" xmlns="" id="{E98DCA46-603B-4178-8707-30E192CE6B8D}"/>
+                <a16:creationId xmlns="" xmlns:a16="http://schemas.microsoft.com/office/drawing/2014/main" id="{E98DCA46-603B-4178-8707-30E192CE6B8D}"/>
               </a:ext>
             </a:extLst>
           </p:cNvPr>
@@ -14417,7 +14417,7 @@
     </p:spTree>
     <p:extLst>
       <p:ext uri="{BB962C8B-B14F-4D97-AF65-F5344CB8AC3E}">
-        <p14:creationId xmlns:p14="http://schemas.microsoft.com/office/powerpoint/2010/main" xmlns="" val="59582380"/>
+        <p14:creationId xmlns="" xmlns:p14="http://schemas.microsoft.com/office/powerpoint/2010/main" val="59582380"/>
       </p:ext>
     </p:extLst>
   </p:cSld>
@@ -14449,7 +14449,7 @@
           <p:cNvPr id="5" name="Content Placeholder 3">
             <a:extLst>
               <a:ext uri="{FF2B5EF4-FFF2-40B4-BE49-F238E27FC236}">
-                <a16:creationId xmlns:a16="http://schemas.microsoft.com/office/drawing/2014/main" xmlns="" id="{D355C61F-C8F1-4977-8E1F-F16C0D9EA88C}"/>
+                <a16:creationId xmlns="" xmlns:a16="http://schemas.microsoft.com/office/drawing/2014/main" id="{D355C61F-C8F1-4977-8E1F-F16C0D9EA88C}"/>
               </a:ext>
             </a:extLst>
           </p:cNvPr>
@@ -14556,7 +14556,7 @@
           <p:cNvPr id="2" name="Slide Number Placeholder 1">
             <a:extLst>
               <a:ext uri="{FF2B5EF4-FFF2-40B4-BE49-F238E27FC236}">
-                <a16:creationId xmlns:a16="http://schemas.microsoft.com/office/drawing/2014/main" xmlns="" id="{5E0A2811-986E-4EBF-9612-8E79971C972D}"/>
+                <a16:creationId xmlns="" xmlns:a16="http://schemas.microsoft.com/office/drawing/2014/main" id="{5E0A2811-986E-4EBF-9612-8E79971C972D}"/>
               </a:ext>
             </a:extLst>
           </p:cNvPr>
@@ -14586,7 +14586,7 @@
           <p:cNvPr id="4" name="Title 3">
             <a:extLst>
               <a:ext uri="{FF2B5EF4-FFF2-40B4-BE49-F238E27FC236}">
-                <a16:creationId xmlns:a16="http://schemas.microsoft.com/office/drawing/2014/main" xmlns="" id="{E98DCA46-603B-4178-8707-30E192CE6B8D}"/>
+                <a16:creationId xmlns="" xmlns:a16="http://schemas.microsoft.com/office/drawing/2014/main" id="{E98DCA46-603B-4178-8707-30E192CE6B8D}"/>
               </a:ext>
             </a:extLst>
           </p:cNvPr>
@@ -14680,7 +14680,7 @@
     </p:spTree>
     <p:extLst>
       <p:ext uri="{BB962C8B-B14F-4D97-AF65-F5344CB8AC3E}">
-        <p14:creationId xmlns:p14="http://schemas.microsoft.com/office/powerpoint/2010/main" xmlns="" val="59582380"/>
+        <p14:creationId xmlns="" xmlns:p14="http://schemas.microsoft.com/office/powerpoint/2010/main" val="59582380"/>
       </p:ext>
     </p:extLst>
   </p:cSld>
@@ -14712,7 +14712,7 @@
           <p:cNvPr id="5" name="Content Placeholder 3">
             <a:extLst>
               <a:ext uri="{FF2B5EF4-FFF2-40B4-BE49-F238E27FC236}">
-                <a16:creationId xmlns:a16="http://schemas.microsoft.com/office/drawing/2014/main" xmlns="" id="{D355C61F-C8F1-4977-8E1F-F16C0D9EA88C}"/>
+                <a16:creationId xmlns="" xmlns:a16="http://schemas.microsoft.com/office/drawing/2014/main" id="{D355C61F-C8F1-4977-8E1F-F16C0D9EA88C}"/>
               </a:ext>
             </a:extLst>
           </p:cNvPr>
@@ -14819,7 +14819,7 @@
           <p:cNvPr id="2" name="Slide Number Placeholder 1">
             <a:extLst>
               <a:ext uri="{FF2B5EF4-FFF2-40B4-BE49-F238E27FC236}">
-                <a16:creationId xmlns:a16="http://schemas.microsoft.com/office/drawing/2014/main" xmlns="" id="{5E0A2811-986E-4EBF-9612-8E79971C972D}"/>
+                <a16:creationId xmlns="" xmlns:a16="http://schemas.microsoft.com/office/drawing/2014/main" id="{5E0A2811-986E-4EBF-9612-8E79971C972D}"/>
               </a:ext>
             </a:extLst>
           </p:cNvPr>
@@ -14849,7 +14849,7 @@
           <p:cNvPr id="4" name="Title 3">
             <a:extLst>
               <a:ext uri="{FF2B5EF4-FFF2-40B4-BE49-F238E27FC236}">
-                <a16:creationId xmlns:a16="http://schemas.microsoft.com/office/drawing/2014/main" xmlns="" id="{E98DCA46-603B-4178-8707-30E192CE6B8D}"/>
+                <a16:creationId xmlns="" xmlns:a16="http://schemas.microsoft.com/office/drawing/2014/main" id="{E98DCA46-603B-4178-8707-30E192CE6B8D}"/>
               </a:ext>
             </a:extLst>
           </p:cNvPr>
@@ -14939,7 +14939,7 @@
     </p:spTree>
     <p:extLst>
       <p:ext uri="{BB962C8B-B14F-4D97-AF65-F5344CB8AC3E}">
-        <p14:creationId xmlns:p14="http://schemas.microsoft.com/office/powerpoint/2010/main" xmlns="" val="59582380"/>
+        <p14:creationId xmlns="" xmlns:p14="http://schemas.microsoft.com/office/powerpoint/2010/main" val="59582380"/>
       </p:ext>
     </p:extLst>
   </p:cSld>
@@ -14971,7 +14971,7 @@
           <p:cNvPr id="2" name="Slide Number Placeholder 1">
             <a:extLst>
               <a:ext uri="{FF2B5EF4-FFF2-40B4-BE49-F238E27FC236}">
-                <a16:creationId xmlns:a16="http://schemas.microsoft.com/office/drawing/2014/main" xmlns="" id="{5E0A2811-986E-4EBF-9612-8E79971C972D}"/>
+                <a16:creationId xmlns="" xmlns:a16="http://schemas.microsoft.com/office/drawing/2014/main" id="{5E0A2811-986E-4EBF-9612-8E79971C972D}"/>
               </a:ext>
             </a:extLst>
           </p:cNvPr>
@@ -15006,7 +15006,7 @@
           <p:cNvPr id="4" name="Title 3">
             <a:extLst>
               <a:ext uri="{FF2B5EF4-FFF2-40B4-BE49-F238E27FC236}">
-                <a16:creationId xmlns:a16="http://schemas.microsoft.com/office/drawing/2014/main" xmlns="" id="{E98DCA46-603B-4178-8707-30E192CE6B8D}"/>
+                <a16:creationId xmlns="" xmlns:a16="http://schemas.microsoft.com/office/drawing/2014/main" id="{E98DCA46-603B-4178-8707-30E192CE6B8D}"/>
               </a:ext>
             </a:extLst>
           </p:cNvPr>
@@ -15035,7 +15035,7 @@
           <p:cNvPr id="15" name="Content Placeholder 3">
             <a:extLst>
               <a:ext uri="{FF2B5EF4-FFF2-40B4-BE49-F238E27FC236}">
-                <a16:creationId xmlns:a16="http://schemas.microsoft.com/office/drawing/2014/main" xmlns="" id="{D355C61F-C8F1-4977-8E1F-F16C0D9EA88C}"/>
+                <a16:creationId xmlns="" xmlns:a16="http://schemas.microsoft.com/office/drawing/2014/main" id="{D355C61F-C8F1-4977-8E1F-F16C0D9EA88C}"/>
               </a:ext>
             </a:extLst>
           </p:cNvPr>
@@ -15081,7 +15081,7 @@
           <p:cNvPr id="16" name="Content Placeholder 3">
             <a:extLst>
               <a:ext uri="{FF2B5EF4-FFF2-40B4-BE49-F238E27FC236}">
-                <a16:creationId xmlns:a16="http://schemas.microsoft.com/office/drawing/2014/main" xmlns="" id="{D355C61F-C8F1-4977-8E1F-F16C0D9EA88C}"/>
+                <a16:creationId xmlns="" xmlns:a16="http://schemas.microsoft.com/office/drawing/2014/main" id="{D355C61F-C8F1-4977-8E1F-F16C0D9EA88C}"/>
               </a:ext>
             </a:extLst>
           </p:cNvPr>
@@ -15221,7 +15221,7 @@
     </p:spTree>
     <p:extLst>
       <p:ext uri="{BB962C8B-B14F-4D97-AF65-F5344CB8AC3E}">
-        <p14:creationId xmlns:p14="http://schemas.microsoft.com/office/powerpoint/2010/main" xmlns="" val="59582380"/>
+        <p14:creationId xmlns="" xmlns:p14="http://schemas.microsoft.com/office/powerpoint/2010/main" val="59582380"/>
       </p:ext>
     </p:extLst>
   </p:cSld>
@@ -15317,7 +15317,7 @@
           <p:cNvPr id="5" name="Content Placeholder 3">
             <a:extLst>
               <a:ext uri="{FF2B5EF4-FFF2-40B4-BE49-F238E27FC236}">
-                <a16:creationId xmlns:a16="http://schemas.microsoft.com/office/drawing/2014/main" xmlns="" id="{D355C61F-C8F1-4977-8E1F-F16C0D9EA88C}"/>
+                <a16:creationId xmlns="" xmlns:a16="http://schemas.microsoft.com/office/drawing/2014/main" id="{D355C61F-C8F1-4977-8E1F-F16C0D9EA88C}"/>
               </a:ext>
             </a:extLst>
           </p:cNvPr>
@@ -15437,7 +15437,7 @@
           <p:cNvPr id="2" name="Slide Number Placeholder 1">
             <a:extLst>
               <a:ext uri="{FF2B5EF4-FFF2-40B4-BE49-F238E27FC236}">
-                <a16:creationId xmlns:a16="http://schemas.microsoft.com/office/drawing/2014/main" xmlns="" id="{5E0A2811-986E-4EBF-9612-8E79971C972D}"/>
+                <a16:creationId xmlns="" xmlns:a16="http://schemas.microsoft.com/office/drawing/2014/main" id="{5E0A2811-986E-4EBF-9612-8E79971C972D}"/>
               </a:ext>
             </a:extLst>
           </p:cNvPr>
@@ -15467,7 +15467,7 @@
           <p:cNvPr id="4" name="Title 3">
             <a:extLst>
               <a:ext uri="{FF2B5EF4-FFF2-40B4-BE49-F238E27FC236}">
-                <a16:creationId xmlns:a16="http://schemas.microsoft.com/office/drawing/2014/main" xmlns="" id="{E98DCA46-603B-4178-8707-30E192CE6B8D}"/>
+                <a16:creationId xmlns="" xmlns:a16="http://schemas.microsoft.com/office/drawing/2014/main" id="{E98DCA46-603B-4178-8707-30E192CE6B8D}"/>
               </a:ext>
             </a:extLst>
           </p:cNvPr>
@@ -15620,7 +15620,7 @@
           <p:cNvPr id="15" name="Content Placeholder 3">
             <a:extLst>
               <a:ext uri="{FF2B5EF4-FFF2-40B4-BE49-F238E27FC236}">
-                <a16:creationId xmlns:a16="http://schemas.microsoft.com/office/drawing/2014/main" xmlns="" id="{D355C61F-C8F1-4977-8E1F-F16C0D9EA88C}"/>
+                <a16:creationId xmlns="" xmlns:a16="http://schemas.microsoft.com/office/drawing/2014/main" id="{D355C61F-C8F1-4977-8E1F-F16C0D9EA88C}"/>
               </a:ext>
             </a:extLst>
           </p:cNvPr>
@@ -15666,7 +15666,7 @@
           <p:cNvPr id="16" name="Content Placeholder 3">
             <a:extLst>
               <a:ext uri="{FF2B5EF4-FFF2-40B4-BE49-F238E27FC236}">
-                <a16:creationId xmlns:a16="http://schemas.microsoft.com/office/drawing/2014/main" xmlns="" id="{D355C61F-C8F1-4977-8E1F-F16C0D9EA88C}"/>
+                <a16:creationId xmlns="" xmlns:a16="http://schemas.microsoft.com/office/drawing/2014/main" id="{D355C61F-C8F1-4977-8E1F-F16C0D9EA88C}"/>
               </a:ext>
             </a:extLst>
           </p:cNvPr>
@@ -15710,7 +15710,7 @@
     </p:spTree>
     <p:extLst>
       <p:ext uri="{BB962C8B-B14F-4D97-AF65-F5344CB8AC3E}">
-        <p14:creationId xmlns:p14="http://schemas.microsoft.com/office/powerpoint/2010/main" xmlns="" val="59582380"/>
+        <p14:creationId xmlns="" xmlns:p14="http://schemas.microsoft.com/office/powerpoint/2010/main" val="59582380"/>
       </p:ext>
     </p:extLst>
   </p:cSld>
@@ -15742,7 +15742,7 @@
           <p:cNvPr id="4" name="Title 3">
             <a:extLst>
               <a:ext uri="{FF2B5EF4-FFF2-40B4-BE49-F238E27FC236}">
-                <a16:creationId xmlns:a16="http://schemas.microsoft.com/office/drawing/2014/main" xmlns="" id="{E98DCA46-603B-4178-8707-30E192CE6B8D}"/>
+                <a16:creationId xmlns="" xmlns:a16="http://schemas.microsoft.com/office/drawing/2014/main" id="{E98DCA46-603B-4178-8707-30E192CE6B8D}"/>
               </a:ext>
             </a:extLst>
           </p:cNvPr>
@@ -15770,7 +15770,7 @@
           <p:cNvPr id="2" name="Slide Number Placeholder 1">
             <a:extLst>
               <a:ext uri="{FF2B5EF4-FFF2-40B4-BE49-F238E27FC236}">
-                <a16:creationId xmlns:a16="http://schemas.microsoft.com/office/drawing/2014/main" xmlns="" id="{5E0A2811-986E-4EBF-9612-8E79971C972D}"/>
+                <a16:creationId xmlns="" xmlns:a16="http://schemas.microsoft.com/office/drawing/2014/main" id="{5E0A2811-986E-4EBF-9612-8E79971C972D}"/>
               </a:ext>
             </a:extLst>
           </p:cNvPr>
@@ -15800,7 +15800,7 @@
           <p:cNvPr id="7" name="Content Placeholder 3">
             <a:extLst>
               <a:ext uri="{FF2B5EF4-FFF2-40B4-BE49-F238E27FC236}">
-                <a16:creationId xmlns:a16="http://schemas.microsoft.com/office/drawing/2014/main" xmlns="" id="{D355C61F-C8F1-4977-8E1F-F16C0D9EA88C}"/>
+                <a16:creationId xmlns="" xmlns:a16="http://schemas.microsoft.com/office/drawing/2014/main" id="{D355C61F-C8F1-4977-8E1F-F16C0D9EA88C}"/>
               </a:ext>
             </a:extLst>
           </p:cNvPr>
@@ -16039,7 +16039,7 @@
           <p:cNvPr id="12" name="Content Placeholder 3">
             <a:extLst>
               <a:ext uri="{FF2B5EF4-FFF2-40B4-BE49-F238E27FC236}">
-                <a16:creationId xmlns:a16="http://schemas.microsoft.com/office/drawing/2014/main" xmlns="" id="{D355C61F-C8F1-4977-8E1F-F16C0D9EA88C}"/>
+                <a16:creationId xmlns="" xmlns:a16="http://schemas.microsoft.com/office/drawing/2014/main" id="{D355C61F-C8F1-4977-8E1F-F16C0D9EA88C}"/>
               </a:ext>
             </a:extLst>
           </p:cNvPr>
@@ -16114,7 +16114,7 @@
     </p:spTree>
     <p:extLst>
       <p:ext uri="{BB962C8B-B14F-4D97-AF65-F5344CB8AC3E}">
-        <p14:creationId xmlns:p14="http://schemas.microsoft.com/office/powerpoint/2010/main" xmlns="" val="59582380"/>
+        <p14:creationId xmlns="" xmlns:p14="http://schemas.microsoft.com/office/powerpoint/2010/main" val="59582380"/>
       </p:ext>
     </p:extLst>
   </p:cSld>
@@ -16146,7 +16146,7 @@
           <p:cNvPr id="5" name="Content Placeholder 3">
             <a:extLst>
               <a:ext uri="{FF2B5EF4-FFF2-40B4-BE49-F238E27FC236}">
-                <a16:creationId xmlns:a16="http://schemas.microsoft.com/office/drawing/2014/main" xmlns="" id="{D355C61F-C8F1-4977-8E1F-F16C0D9EA88C}"/>
+                <a16:creationId xmlns="" xmlns:a16="http://schemas.microsoft.com/office/drawing/2014/main" id="{D355C61F-C8F1-4977-8E1F-F16C0D9EA88C}"/>
               </a:ext>
             </a:extLst>
           </p:cNvPr>
@@ -16437,7 +16437,7 @@
           <p:cNvPr id="2" name="Slide Number Placeholder 1">
             <a:extLst>
               <a:ext uri="{FF2B5EF4-FFF2-40B4-BE49-F238E27FC236}">
-                <a16:creationId xmlns:a16="http://schemas.microsoft.com/office/drawing/2014/main" xmlns="" id="{5E0A2811-986E-4EBF-9612-8E79971C972D}"/>
+                <a16:creationId xmlns="" xmlns:a16="http://schemas.microsoft.com/office/drawing/2014/main" id="{5E0A2811-986E-4EBF-9612-8E79971C972D}"/>
               </a:ext>
             </a:extLst>
           </p:cNvPr>
@@ -16467,7 +16467,7 @@
           <p:cNvPr id="4" name="Title 3">
             <a:extLst>
               <a:ext uri="{FF2B5EF4-FFF2-40B4-BE49-F238E27FC236}">
-                <a16:creationId xmlns:a16="http://schemas.microsoft.com/office/drawing/2014/main" xmlns="" id="{E98DCA46-603B-4178-8707-30E192CE6B8D}"/>
+                <a16:creationId xmlns="" xmlns:a16="http://schemas.microsoft.com/office/drawing/2014/main" id="{E98DCA46-603B-4178-8707-30E192CE6B8D}"/>
               </a:ext>
             </a:extLst>
           </p:cNvPr>
@@ -16494,7 +16494,7 @@
     </p:spTree>
     <p:extLst>
       <p:ext uri="{BB962C8B-B14F-4D97-AF65-F5344CB8AC3E}">
-        <p14:creationId xmlns:p14="http://schemas.microsoft.com/office/powerpoint/2010/main" xmlns="" val="59582380"/>
+        <p14:creationId xmlns="" xmlns:p14="http://schemas.microsoft.com/office/powerpoint/2010/main" val="59582380"/>
       </p:ext>
     </p:extLst>
   </p:cSld>
@@ -16526,7 +16526,7 @@
           <p:cNvPr id="5" name="Content Placeholder 3">
             <a:extLst>
               <a:ext uri="{FF2B5EF4-FFF2-40B4-BE49-F238E27FC236}">
-                <a16:creationId xmlns:a16="http://schemas.microsoft.com/office/drawing/2014/main" xmlns="" id="{D355C61F-C8F1-4977-8E1F-F16C0D9EA88C}"/>
+                <a16:creationId xmlns="" xmlns:a16="http://schemas.microsoft.com/office/drawing/2014/main" id="{D355C61F-C8F1-4977-8E1F-F16C0D9EA88C}"/>
               </a:ext>
             </a:extLst>
           </p:cNvPr>
@@ -16871,7 +16871,7 @@
           <p:cNvPr id="2" name="Slide Number Placeholder 1">
             <a:extLst>
               <a:ext uri="{FF2B5EF4-FFF2-40B4-BE49-F238E27FC236}">
-                <a16:creationId xmlns:a16="http://schemas.microsoft.com/office/drawing/2014/main" xmlns="" id="{5E0A2811-986E-4EBF-9612-8E79971C972D}"/>
+                <a16:creationId xmlns="" xmlns:a16="http://schemas.microsoft.com/office/drawing/2014/main" id="{5E0A2811-986E-4EBF-9612-8E79971C972D}"/>
               </a:ext>
             </a:extLst>
           </p:cNvPr>
@@ -16901,7 +16901,7 @@
           <p:cNvPr id="4" name="Title 3">
             <a:extLst>
               <a:ext uri="{FF2B5EF4-FFF2-40B4-BE49-F238E27FC236}">
-                <a16:creationId xmlns:a16="http://schemas.microsoft.com/office/drawing/2014/main" xmlns="" id="{E98DCA46-603B-4178-8707-30E192CE6B8D}"/>
+                <a16:creationId xmlns="" xmlns:a16="http://schemas.microsoft.com/office/drawing/2014/main" id="{E98DCA46-603B-4178-8707-30E192CE6B8D}"/>
               </a:ext>
             </a:extLst>
           </p:cNvPr>
@@ -17058,7 +17058,7 @@
     </p:spTree>
     <p:extLst>
       <p:ext uri="{BB962C8B-B14F-4D97-AF65-F5344CB8AC3E}">
-        <p14:creationId xmlns:p14="http://schemas.microsoft.com/office/powerpoint/2010/main" xmlns="" val="59582380"/>
+        <p14:creationId xmlns="" xmlns:p14="http://schemas.microsoft.com/office/powerpoint/2010/main" val="59582380"/>
       </p:ext>
     </p:extLst>
   </p:cSld>
@@ -17090,7 +17090,7 @@
           <p:cNvPr id="2" name="Slide Number Placeholder 1">
             <a:extLst>
               <a:ext uri="{FF2B5EF4-FFF2-40B4-BE49-F238E27FC236}">
-                <a16:creationId xmlns:a16="http://schemas.microsoft.com/office/drawing/2014/main" xmlns="" id="{5E0A2811-986E-4EBF-9612-8E79971C972D}"/>
+                <a16:creationId xmlns="" xmlns:a16="http://schemas.microsoft.com/office/drawing/2014/main" id="{5E0A2811-986E-4EBF-9612-8E79971C972D}"/>
               </a:ext>
             </a:extLst>
           </p:cNvPr>
@@ -17120,7 +17120,7 @@
           <p:cNvPr id="4" name="Title 3">
             <a:extLst>
               <a:ext uri="{FF2B5EF4-FFF2-40B4-BE49-F238E27FC236}">
-                <a16:creationId xmlns:a16="http://schemas.microsoft.com/office/drawing/2014/main" xmlns="" id="{E98DCA46-603B-4178-8707-30E192CE6B8D}"/>
+                <a16:creationId xmlns="" xmlns:a16="http://schemas.microsoft.com/office/drawing/2014/main" id="{E98DCA46-603B-4178-8707-30E192CE6B8D}"/>
               </a:ext>
             </a:extLst>
           </p:cNvPr>
@@ -17344,7 +17344,7 @@
           <p:cNvPr id="14" name="Content Placeholder 3">
             <a:extLst>
               <a:ext uri="{FF2B5EF4-FFF2-40B4-BE49-F238E27FC236}">
-                <a16:creationId xmlns:a16="http://schemas.microsoft.com/office/drawing/2014/main" xmlns="" id="{D355C61F-C8F1-4977-8E1F-F16C0D9EA88C}"/>
+                <a16:creationId xmlns="" xmlns:a16="http://schemas.microsoft.com/office/drawing/2014/main" id="{D355C61F-C8F1-4977-8E1F-F16C0D9EA88C}"/>
               </a:ext>
             </a:extLst>
           </p:cNvPr>
@@ -18062,7 +18062,7 @@
     </p:spTree>
     <p:extLst>
       <p:ext uri="{BB962C8B-B14F-4D97-AF65-F5344CB8AC3E}">
-        <p14:creationId xmlns:p14="http://schemas.microsoft.com/office/powerpoint/2010/main" xmlns="" val="59582380"/>
+        <p14:creationId xmlns="" xmlns:p14="http://schemas.microsoft.com/office/powerpoint/2010/main" val="59582380"/>
       </p:ext>
     </p:extLst>
   </p:cSld>
@@ -18094,7 +18094,7 @@
           <p:cNvPr id="5" name="Content Placeholder 3">
             <a:extLst>
               <a:ext uri="{FF2B5EF4-FFF2-40B4-BE49-F238E27FC236}">
-                <a16:creationId xmlns:a16="http://schemas.microsoft.com/office/drawing/2014/main" xmlns="" id="{D355C61F-C8F1-4977-8E1F-F16C0D9EA88C}"/>
+                <a16:creationId xmlns="" xmlns:a16="http://schemas.microsoft.com/office/drawing/2014/main" id="{D355C61F-C8F1-4977-8E1F-F16C0D9EA88C}"/>
               </a:ext>
             </a:extLst>
           </p:cNvPr>
@@ -18434,7 +18434,7 @@
           <p:cNvPr id="2" name="Slide Number Placeholder 1">
             <a:extLst>
               <a:ext uri="{FF2B5EF4-FFF2-40B4-BE49-F238E27FC236}">
-                <a16:creationId xmlns:a16="http://schemas.microsoft.com/office/drawing/2014/main" xmlns="" id="{5E0A2811-986E-4EBF-9612-8E79971C972D}"/>
+                <a16:creationId xmlns="" xmlns:a16="http://schemas.microsoft.com/office/drawing/2014/main" id="{5E0A2811-986E-4EBF-9612-8E79971C972D}"/>
               </a:ext>
             </a:extLst>
           </p:cNvPr>
@@ -18464,7 +18464,7 @@
           <p:cNvPr id="4" name="Title 3">
             <a:extLst>
               <a:ext uri="{FF2B5EF4-FFF2-40B4-BE49-F238E27FC236}">
-                <a16:creationId xmlns:a16="http://schemas.microsoft.com/office/drawing/2014/main" xmlns="" id="{E98DCA46-603B-4178-8707-30E192CE6B8D}"/>
+                <a16:creationId xmlns="" xmlns:a16="http://schemas.microsoft.com/office/drawing/2014/main" id="{E98DCA46-603B-4178-8707-30E192CE6B8D}"/>
               </a:ext>
             </a:extLst>
           </p:cNvPr>
@@ -18491,7 +18491,7 @@
     </p:spTree>
     <p:extLst>
       <p:ext uri="{BB962C8B-B14F-4D97-AF65-F5344CB8AC3E}">
-        <p14:creationId xmlns:p14="http://schemas.microsoft.com/office/powerpoint/2010/main" xmlns="" val="59582380"/>
+        <p14:creationId xmlns="" xmlns:p14="http://schemas.microsoft.com/office/powerpoint/2010/main" val="59582380"/>
       </p:ext>
     </p:extLst>
   </p:cSld>
@@ -18822,7 +18822,7 @@
           <p:cNvPr id="2" name="Slide Number Placeholder 1">
             <a:extLst>
               <a:ext uri="{FF2B5EF4-FFF2-40B4-BE49-F238E27FC236}">
-                <a16:creationId xmlns:a16="http://schemas.microsoft.com/office/drawing/2014/main" xmlns="" id="{5E0A2811-986E-4EBF-9612-8E79971C972D}"/>
+                <a16:creationId xmlns="" xmlns:a16="http://schemas.microsoft.com/office/drawing/2014/main" id="{5E0A2811-986E-4EBF-9612-8E79971C972D}"/>
               </a:ext>
             </a:extLst>
           </p:cNvPr>
@@ -18852,7 +18852,7 @@
           <p:cNvPr id="4" name="Title 3">
             <a:extLst>
               <a:ext uri="{FF2B5EF4-FFF2-40B4-BE49-F238E27FC236}">
-                <a16:creationId xmlns:a16="http://schemas.microsoft.com/office/drawing/2014/main" xmlns="" id="{E98DCA46-603B-4178-8707-30E192CE6B8D}"/>
+                <a16:creationId xmlns="" xmlns:a16="http://schemas.microsoft.com/office/drawing/2014/main" id="{E98DCA46-603B-4178-8707-30E192CE6B8D}"/>
               </a:ext>
             </a:extLst>
           </p:cNvPr>
@@ -18880,7 +18880,7 @@
           <p:cNvPr id="7" name="Content Placeholder 3">
             <a:extLst>
               <a:ext uri="{FF2B5EF4-FFF2-40B4-BE49-F238E27FC236}">
-                <a16:creationId xmlns:a16="http://schemas.microsoft.com/office/drawing/2014/main" xmlns="" id="{D355C61F-C8F1-4977-8E1F-F16C0D9EA88C}"/>
+                <a16:creationId xmlns="" xmlns:a16="http://schemas.microsoft.com/office/drawing/2014/main" id="{D355C61F-C8F1-4977-8E1F-F16C0D9EA88C}"/>
               </a:ext>
             </a:extLst>
           </p:cNvPr>
@@ -19229,7 +19229,7 @@
     </p:spTree>
     <p:extLst>
       <p:ext uri="{BB962C8B-B14F-4D97-AF65-F5344CB8AC3E}">
-        <p14:creationId xmlns:p14="http://schemas.microsoft.com/office/powerpoint/2010/main" xmlns="" val="59582380"/>
+        <p14:creationId xmlns="" xmlns:p14="http://schemas.microsoft.com/office/powerpoint/2010/main" val="59582380"/>
       </p:ext>
     </p:extLst>
   </p:cSld>
@@ -19262,7 +19262,7 @@
           <p:cNvPr id="2" name="Slide Number Placeholder 1">
             <a:extLst>
               <a:ext uri="{FF2B5EF4-FFF2-40B4-BE49-F238E27FC236}">
-                <a16:creationId xmlns:a16="http://schemas.microsoft.com/office/drawing/2014/main" xmlns="" id="{5E0A2811-986E-4EBF-9612-8E79971C972D}"/>
+                <a16:creationId xmlns="" xmlns:a16="http://schemas.microsoft.com/office/drawing/2014/main" id="{5E0A2811-986E-4EBF-9612-8E79971C972D}"/>
               </a:ext>
             </a:extLst>
           </p:cNvPr>
@@ -19292,7 +19292,7 @@
           <p:cNvPr id="4" name="Title 3">
             <a:extLst>
               <a:ext uri="{FF2B5EF4-FFF2-40B4-BE49-F238E27FC236}">
-                <a16:creationId xmlns:a16="http://schemas.microsoft.com/office/drawing/2014/main" xmlns="" id="{E98DCA46-603B-4178-8707-30E192CE6B8D}"/>
+                <a16:creationId xmlns="" xmlns:a16="http://schemas.microsoft.com/office/drawing/2014/main" id="{E98DCA46-603B-4178-8707-30E192CE6B8D}"/>
               </a:ext>
             </a:extLst>
           </p:cNvPr>
@@ -19320,7 +19320,7 @@
           <p:cNvPr id="7" name="Content Placeholder 3">
             <a:extLst>
               <a:ext uri="{FF2B5EF4-FFF2-40B4-BE49-F238E27FC236}">
-                <a16:creationId xmlns:a16="http://schemas.microsoft.com/office/drawing/2014/main" xmlns="" id="{D355C61F-C8F1-4977-8E1F-F16C0D9EA88C}"/>
+                <a16:creationId xmlns="" xmlns:a16="http://schemas.microsoft.com/office/drawing/2014/main" id="{D355C61F-C8F1-4977-8E1F-F16C0D9EA88C}"/>
               </a:ext>
             </a:extLst>
           </p:cNvPr>
@@ -19573,7 +19573,7 @@
     </p:spTree>
     <p:extLst>
       <p:ext uri="{BB962C8B-B14F-4D97-AF65-F5344CB8AC3E}">
-        <p14:creationId xmlns:p14="http://schemas.microsoft.com/office/powerpoint/2010/main" xmlns="" val="59582380"/>
+        <p14:creationId xmlns="" xmlns:p14="http://schemas.microsoft.com/office/powerpoint/2010/main" val="59582380"/>
       </p:ext>
     </p:extLst>
   </p:cSld>
@@ -19606,7 +19606,7 @@
           <p:cNvPr id="4" name="Title 3">
             <a:extLst>
               <a:ext uri="{FF2B5EF4-FFF2-40B4-BE49-F238E27FC236}">
-                <a16:creationId xmlns:a16="http://schemas.microsoft.com/office/drawing/2014/main" xmlns="" id="{E98DCA46-603B-4178-8707-30E192CE6B8D}"/>
+                <a16:creationId xmlns="" xmlns:a16="http://schemas.microsoft.com/office/drawing/2014/main" id="{E98DCA46-603B-4178-8707-30E192CE6B8D}"/>
               </a:ext>
             </a:extLst>
           </p:cNvPr>
@@ -19634,7 +19634,7 @@
           <p:cNvPr id="2" name="Slide Number Placeholder 1">
             <a:extLst>
               <a:ext uri="{FF2B5EF4-FFF2-40B4-BE49-F238E27FC236}">
-                <a16:creationId xmlns:a16="http://schemas.microsoft.com/office/drawing/2014/main" xmlns="" id="{5E0A2811-986E-4EBF-9612-8E79971C972D}"/>
+                <a16:creationId xmlns="" xmlns:a16="http://schemas.microsoft.com/office/drawing/2014/main" id="{5E0A2811-986E-4EBF-9612-8E79971C972D}"/>
               </a:ext>
             </a:extLst>
           </p:cNvPr>
@@ -19664,7 +19664,7 @@
           <p:cNvPr id="5" name="Content Placeholder 3">
             <a:extLst>
               <a:ext uri="{FF2B5EF4-FFF2-40B4-BE49-F238E27FC236}">
-                <a16:creationId xmlns:a16="http://schemas.microsoft.com/office/drawing/2014/main" xmlns="" id="{D355C61F-C8F1-4977-8E1F-F16C0D9EA88C}"/>
+                <a16:creationId xmlns="" xmlns:a16="http://schemas.microsoft.com/office/drawing/2014/main" id="{D355C61F-C8F1-4977-8E1F-F16C0D9EA88C}"/>
               </a:ext>
             </a:extLst>
           </p:cNvPr>
@@ -19773,7 +19773,7 @@
     </p:spTree>
     <p:extLst>
       <p:ext uri="{BB962C8B-B14F-4D97-AF65-F5344CB8AC3E}">
-        <p14:creationId xmlns:p14="http://schemas.microsoft.com/office/powerpoint/2010/main" xmlns="" val="59582380"/>
+        <p14:creationId xmlns="" xmlns:p14="http://schemas.microsoft.com/office/powerpoint/2010/main" val="59582380"/>
       </p:ext>
     </p:extLst>
   </p:cSld>
@@ -19805,7 +19805,7 @@
           <p:cNvPr id="11" name="Title 3">
             <a:extLst>
               <a:ext uri="{FF2B5EF4-FFF2-40B4-BE49-F238E27FC236}">
-                <a16:creationId xmlns:a16="http://schemas.microsoft.com/office/drawing/2014/main" xmlns="" id="{E98DCA46-603B-4178-8707-30E192CE6B8D}"/>
+                <a16:creationId xmlns="" xmlns:a16="http://schemas.microsoft.com/office/drawing/2014/main" id="{E98DCA46-603B-4178-8707-30E192CE6B8D}"/>
               </a:ext>
             </a:extLst>
           </p:cNvPr>
@@ -19833,7 +19833,7 @@
           <p:cNvPr id="2" name="Slide Number Placeholder 1">
             <a:extLst>
               <a:ext uri="{FF2B5EF4-FFF2-40B4-BE49-F238E27FC236}">
-                <a16:creationId xmlns:a16="http://schemas.microsoft.com/office/drawing/2014/main" xmlns="" id="{5E0A2811-986E-4EBF-9612-8E79971C972D}"/>
+                <a16:creationId xmlns="" xmlns:a16="http://schemas.microsoft.com/office/drawing/2014/main" id="{5E0A2811-986E-4EBF-9612-8E79971C972D}"/>
               </a:ext>
             </a:extLst>
           </p:cNvPr>
@@ -19863,7 +19863,7 @@
           <p:cNvPr id="7" name="Content Placeholder 3">
             <a:extLst>
               <a:ext uri="{FF2B5EF4-FFF2-40B4-BE49-F238E27FC236}">
-                <a16:creationId xmlns:a16="http://schemas.microsoft.com/office/drawing/2014/main" xmlns="" id="{D355C61F-C8F1-4977-8E1F-F16C0D9EA88C}"/>
+                <a16:creationId xmlns="" xmlns:a16="http://schemas.microsoft.com/office/drawing/2014/main" id="{D355C61F-C8F1-4977-8E1F-F16C0D9EA88C}"/>
               </a:ext>
             </a:extLst>
           </p:cNvPr>
@@ -19931,7 +19931,7 @@
           <p:cNvPr id="12" name="Content Placeholder 3">
             <a:extLst>
               <a:ext uri="{FF2B5EF4-FFF2-40B4-BE49-F238E27FC236}">
-                <a16:creationId xmlns:a16="http://schemas.microsoft.com/office/drawing/2014/main" xmlns="" id="{D355C61F-C8F1-4977-8E1F-F16C0D9EA88C}"/>
+                <a16:creationId xmlns="" xmlns:a16="http://schemas.microsoft.com/office/drawing/2014/main" id="{D355C61F-C8F1-4977-8E1F-F16C0D9EA88C}"/>
               </a:ext>
             </a:extLst>
           </p:cNvPr>
@@ -20039,7 +20039,7 @@
     </p:spTree>
     <p:extLst>
       <p:ext uri="{BB962C8B-B14F-4D97-AF65-F5344CB8AC3E}">
-        <p14:creationId xmlns:p14="http://schemas.microsoft.com/office/powerpoint/2010/main" xmlns="" val="59582380"/>
+        <p14:creationId xmlns="" xmlns:p14="http://schemas.microsoft.com/office/powerpoint/2010/main" val="59582380"/>
       </p:ext>
     </p:extLst>
   </p:cSld>
@@ -20071,7 +20071,7 @@
           <p:cNvPr id="2" name="Slide Number Placeholder 1">
             <a:extLst>
               <a:ext uri="{FF2B5EF4-FFF2-40B4-BE49-F238E27FC236}">
-                <a16:creationId xmlns:a16="http://schemas.microsoft.com/office/drawing/2014/main" xmlns="" id="{5E0A2811-986E-4EBF-9612-8E79971C972D}"/>
+                <a16:creationId xmlns="" xmlns:a16="http://schemas.microsoft.com/office/drawing/2014/main" id="{5E0A2811-986E-4EBF-9612-8E79971C972D}"/>
               </a:ext>
             </a:extLst>
           </p:cNvPr>
@@ -20101,7 +20101,7 @@
           <p:cNvPr id="4" name="Title 3">
             <a:extLst>
               <a:ext uri="{FF2B5EF4-FFF2-40B4-BE49-F238E27FC236}">
-                <a16:creationId xmlns:a16="http://schemas.microsoft.com/office/drawing/2014/main" xmlns="" id="{E98DCA46-603B-4178-8707-30E192CE6B8D}"/>
+                <a16:creationId xmlns="" xmlns:a16="http://schemas.microsoft.com/office/drawing/2014/main" id="{E98DCA46-603B-4178-8707-30E192CE6B8D}"/>
               </a:ext>
             </a:extLst>
           </p:cNvPr>
@@ -20153,7 +20153,7 @@
     </p:spTree>
     <p:extLst>
       <p:ext uri="{BB962C8B-B14F-4D97-AF65-F5344CB8AC3E}">
-        <p14:creationId xmlns:p14="http://schemas.microsoft.com/office/powerpoint/2010/main" xmlns="" val="59582380"/>
+        <p14:creationId xmlns="" xmlns:p14="http://schemas.microsoft.com/office/powerpoint/2010/main" val="59582380"/>
       </p:ext>
     </p:extLst>
   </p:cSld>
@@ -20185,7 +20185,7 @@
           <p:cNvPr id="9" name="Title 3">
             <a:extLst>
               <a:ext uri="{FF2B5EF4-FFF2-40B4-BE49-F238E27FC236}">
-                <a16:creationId xmlns:a16="http://schemas.microsoft.com/office/drawing/2014/main" xmlns="" id="{E98DCA46-603B-4178-8707-30E192CE6B8D}"/>
+                <a16:creationId xmlns="" xmlns:a16="http://schemas.microsoft.com/office/drawing/2014/main" id="{E98DCA46-603B-4178-8707-30E192CE6B8D}"/>
               </a:ext>
             </a:extLst>
           </p:cNvPr>
@@ -20217,7 +20217,7 @@
           <p:cNvPr id="2" name="Slide Number Placeholder 1">
             <a:extLst>
               <a:ext uri="{FF2B5EF4-FFF2-40B4-BE49-F238E27FC236}">
-                <a16:creationId xmlns:a16="http://schemas.microsoft.com/office/drawing/2014/main" xmlns="" id="{5E0A2811-986E-4EBF-9612-8E79971C972D}"/>
+                <a16:creationId xmlns="" xmlns:a16="http://schemas.microsoft.com/office/drawing/2014/main" id="{5E0A2811-986E-4EBF-9612-8E79971C972D}"/>
               </a:ext>
             </a:extLst>
           </p:cNvPr>
@@ -20247,7 +20247,7 @@
           <p:cNvPr id="10" name="Content Placeholder 3">
             <a:extLst>
               <a:ext uri="{FF2B5EF4-FFF2-40B4-BE49-F238E27FC236}">
-                <a16:creationId xmlns:a16="http://schemas.microsoft.com/office/drawing/2014/main" xmlns="" id="{D355C61F-C8F1-4977-8E1F-F16C0D9EA88C}"/>
+                <a16:creationId xmlns="" xmlns:a16="http://schemas.microsoft.com/office/drawing/2014/main" id="{D355C61F-C8F1-4977-8E1F-F16C0D9EA88C}"/>
               </a:ext>
             </a:extLst>
           </p:cNvPr>
@@ -20360,7 +20360,7 @@
     </p:spTree>
     <p:extLst>
       <p:ext uri="{BB962C8B-B14F-4D97-AF65-F5344CB8AC3E}">
-        <p14:creationId xmlns:p14="http://schemas.microsoft.com/office/powerpoint/2010/main" xmlns="" val="59582380"/>
+        <p14:creationId xmlns="" xmlns:p14="http://schemas.microsoft.com/office/powerpoint/2010/main" val="59582380"/>
       </p:ext>
     </p:extLst>
   </p:cSld>
@@ -20392,7 +20392,7 @@
           <p:cNvPr id="4" name="Title 3">
             <a:extLst>
               <a:ext uri="{FF2B5EF4-FFF2-40B4-BE49-F238E27FC236}">
-                <a16:creationId xmlns:a16="http://schemas.microsoft.com/office/drawing/2014/main" xmlns="" id="{E98DCA46-603B-4178-8707-30E192CE6B8D}"/>
+                <a16:creationId xmlns="" xmlns:a16="http://schemas.microsoft.com/office/drawing/2014/main" id="{E98DCA46-603B-4178-8707-30E192CE6B8D}"/>
               </a:ext>
             </a:extLst>
           </p:cNvPr>
@@ -20420,7 +20420,7 @@
           <p:cNvPr id="2" name="Slide Number Placeholder 1">
             <a:extLst>
               <a:ext uri="{FF2B5EF4-FFF2-40B4-BE49-F238E27FC236}">
-                <a16:creationId xmlns:a16="http://schemas.microsoft.com/office/drawing/2014/main" xmlns="" id="{5E0A2811-986E-4EBF-9612-8E79971C972D}"/>
+                <a16:creationId xmlns="" xmlns:a16="http://schemas.microsoft.com/office/drawing/2014/main" id="{5E0A2811-986E-4EBF-9612-8E79971C972D}"/>
               </a:ext>
             </a:extLst>
           </p:cNvPr>
@@ -20450,7 +20450,7 @@
           <p:cNvPr id="8" name="Content Placeholder 3">
             <a:extLst>
               <a:ext uri="{FF2B5EF4-FFF2-40B4-BE49-F238E27FC236}">
-                <a16:creationId xmlns:a16="http://schemas.microsoft.com/office/drawing/2014/main" xmlns="" id="{D355C61F-C8F1-4977-8E1F-F16C0D9EA88C}"/>
+                <a16:creationId xmlns="" xmlns:a16="http://schemas.microsoft.com/office/drawing/2014/main" id="{D355C61F-C8F1-4977-8E1F-F16C0D9EA88C}"/>
               </a:ext>
             </a:extLst>
           </p:cNvPr>
@@ -20625,7 +20625,7 @@
     </p:spTree>
     <p:extLst>
       <p:ext uri="{BB962C8B-B14F-4D97-AF65-F5344CB8AC3E}">
-        <p14:creationId xmlns:p14="http://schemas.microsoft.com/office/powerpoint/2010/main" xmlns="" val="59582380"/>
+        <p14:creationId xmlns="" xmlns:p14="http://schemas.microsoft.com/office/powerpoint/2010/main" val="59582380"/>
       </p:ext>
     </p:extLst>
   </p:cSld>
@@ -20860,7 +20860,7 @@
   <a:extraClrSchemeLst/>
   <a:extLst>
     <a:ext uri="{05A4C25C-085E-4340-85A3-A5531E510DB2}">
-      <thm15:themeFamily xmlns:thm15="http://schemas.microsoft.com/office/thememl/2012/main" xmlns="" name="TF16411253_Geometric presentation_AAS_v3" id="{5F394A36-244E-477B-9B00-631A6705923C}" vid="{7FC6DB14-D4FF-4031-8ADB-F8536C0C4002}"/>
+      <thm15:themeFamily xmlns="" xmlns:thm15="http://schemas.microsoft.com/office/thememl/2012/main" name="TF16411253_Geometric presentation_AAS_v3" id="{5F394A36-244E-477B-9B00-631A6705923C}" vid="{7FC6DB14-D4FF-4031-8ADB-F8536C0C4002}"/>
     </a:ext>
   </a:extLst>
 </a:theme>
@@ -21155,7 +21155,7 @@
   <a:extraClrSchemeLst/>
   <a:extLst>
     <a:ext uri="{05A4C25C-085E-4340-85A3-A5531E510DB2}">
-      <thm15:themeFamily xmlns:thm15="http://schemas.microsoft.com/office/thememl/2012/main" xmlns="" name="Office Theme" id="{62F939B6-93AF-4DB8-9C6B-D6C7DFDC589F}" vid="{4A3C46E8-61CC-4603-A589-7422A47A8E4A}"/>
+      <thm15:themeFamily xmlns="" xmlns:thm15="http://schemas.microsoft.com/office/thememl/2012/main" name="Office Theme" id="{62F939B6-93AF-4DB8-9C6B-D6C7DFDC589F}" vid="{4A3C46E8-61CC-4603-A589-7422A47A8E4A}"/>
     </a:ext>
   </a:extLst>
 </a:theme>
@@ -21450,27 +21450,27 @@
   <a:extraClrSchemeLst/>
   <a:extLst>
     <a:ext uri="{05A4C25C-085E-4340-85A3-A5531E510DB2}">
-      <thm15:themeFamily xmlns:thm15="http://schemas.microsoft.com/office/thememl/2012/main" xmlns="" name="Office Theme" id="{62F939B6-93AF-4DB8-9C6B-D6C7DFDC589F}" vid="{4A3C46E8-61CC-4603-A589-7422A47A8E4A}"/>
+      <thm15:themeFamily xmlns="" xmlns:thm15="http://schemas.microsoft.com/office/thememl/2012/main" name="Office Theme" id="{62F939B6-93AF-4DB8-9C6B-D6C7DFDC589F}" vid="{4A3C46E8-61CC-4603-A589-7422A47A8E4A}"/>
     </a:ext>
   </a:extLst>
 </a:theme>
 </file>
 
 <file path=customXml/item1.xml><?xml version="1.0" encoding="utf-8"?>
-<p:properties xmlns:p="http://schemas.microsoft.com/office/2006/metadata/properties" xmlns:xsi="http://www.w3.org/2001/XMLSchema-instance" xmlns:pc="http://schemas.microsoft.com/office/infopath/2007/PartnerControls">
-  <documentManagement>
-    <MediaServiceKeyPoints xmlns="71af3243-3dd4-4a8d-8c0d-dd76da1f02a5" xsi:nil="true"/>
-  </documentManagement>
-</p:properties>
-</file>
-
-<file path=customXml/item2.xml><?xml version="1.0" encoding="utf-8"?>
 <?mso-contentType ?>
 <FormTemplates xmlns="http://schemas.microsoft.com/sharepoint/v3/contenttype/forms">
   <Display>DocumentLibraryForm</Display>
   <Edit>DocumentLibraryForm</Edit>
   <New>DocumentLibraryForm</New>
 </FormTemplates>
+</file>
+
+<file path=customXml/item2.xml><?xml version="1.0" encoding="utf-8"?>
+<p:properties xmlns:p="http://schemas.microsoft.com/office/2006/metadata/properties" xmlns:xsi="http://www.w3.org/2001/XMLSchema-instance" xmlns:pc="http://schemas.microsoft.com/office/infopath/2007/PartnerControls">
+  <documentManagement>
+    <MediaServiceKeyPoints xmlns="71af3243-3dd4-4a8d-8c0d-dd76da1f02a5" xsi:nil="true"/>
+  </documentManagement>
+</p:properties>
 </file>
 
 <file path=customXml/item3.xml><?xml version="1.0" encoding="utf-8"?>
@@ -21685,19 +21685,19 @@
 </file>
 
 <file path=customXml/itemProps1.xml><?xml version="1.0" encoding="utf-8"?>
+<ds:datastoreItem xmlns:ds="http://schemas.openxmlformats.org/officeDocument/2006/customXml" ds:itemID="{8A930687-51F2-44C8-9CE6-D1B3D6E17522}">
+  <ds:schemaRefs>
+    <ds:schemaRef ds:uri="http://schemas.microsoft.com/sharepoint/v3/contenttype/forms"/>
+  </ds:schemaRefs>
+</ds:datastoreItem>
+</file>
+
+<file path=customXml/itemProps2.xml><?xml version="1.0" encoding="utf-8"?>
 <ds:datastoreItem xmlns:ds="http://schemas.openxmlformats.org/officeDocument/2006/customXml" ds:itemID="{A861FE8A-8F15-409F-AF62-619C69C0D537}">
   <ds:schemaRefs>
     <ds:schemaRef ds:uri="http://schemas.microsoft.com/office/2006/metadata/properties"/>
     <ds:schemaRef ds:uri="http://schemas.microsoft.com/office/infopath/2007/PartnerControls"/>
     <ds:schemaRef ds:uri="71af3243-3dd4-4a8d-8c0d-dd76da1f02a5"/>
-  </ds:schemaRefs>
-</ds:datastoreItem>
-</file>
-
-<file path=customXml/itemProps2.xml><?xml version="1.0" encoding="utf-8"?>
-<ds:datastoreItem xmlns:ds="http://schemas.openxmlformats.org/officeDocument/2006/customXml" ds:itemID="{8A930687-51F2-44C8-9CE6-D1B3D6E17522}">
-  <ds:schemaRefs>
-    <ds:schemaRef ds:uri="http://schemas.microsoft.com/sharepoint/v3/contenttype/forms"/>
   </ds:schemaRefs>
 </ds:datastoreItem>
 </file>
